--- a/我們歡迎君王降臨(崇拜版).pptx
+++ b/我們歡迎君王降臨(崇拜版).pptx
@@ -10,7 +10,7 @@
     <p:sldId id="258" r:id="rId4"/>
     <p:sldId id="259" r:id="rId5"/>
   </p:sldIdLst>
-  <p:sldSz cx="9144000" cy="6858000" type="screen4x3"/>
+  <p:sldSz cx="12192000" cy="6858000"/>
   <p:notesSz cx="6858000" cy="9144000"/>
   <p:defaultTextStyle>
     <a:defPPr>
@@ -107,6 +107,22 @@
       </a:defRPr>
     </a:lvl9pPr>
   </p:defaultTextStyle>
+  <p:extLst>
+    <p:ext uri="{EFAFB233-063F-42B5-8137-9DF3F51BA10A}">
+      <p15:sldGuideLst xmlns:p15="http://schemas.microsoft.com/office/powerpoint/2012/main">
+        <p15:guide id="1" orient="horz" pos="2160" userDrawn="1">
+          <p15:clr>
+            <a:srgbClr val="A4A3A4"/>
+          </p15:clr>
+        </p15:guide>
+        <p15:guide id="2" pos="3840" userDrawn="1">
+          <p15:clr>
+            <a:srgbClr val="A4A3A4"/>
+          </p15:clr>
+        </p15:guide>
+      </p15:sldGuideLst>
+    </p:ext>
+  </p:extLst>
 </p:presentation>
 </file>
 
@@ -139,8 +155,8 @@
         </p:nvSpPr>
         <p:spPr>
           <a:xfrm>
-            <a:off x="685800" y="2130425"/>
-            <a:ext cx="7772400" cy="1470025"/>
+            <a:off x="914400" y="2130426"/>
+            <a:ext cx="10363200" cy="1470025"/>
           </a:xfrm>
         </p:spPr>
         <p:txBody>
@@ -167,8 +183,8 @@
         </p:nvSpPr>
         <p:spPr>
           <a:xfrm>
-            <a:off x="1371600" y="3886200"/>
-            <a:ext cx="6400800" cy="1752600"/>
+            <a:off x="1828800" y="3886200"/>
+            <a:ext cx="8534400" cy="1752600"/>
           </a:xfrm>
         </p:spPr>
         <p:txBody>
@@ -291,7 +307,7 @@
           <a:p>
             <a:fld id="{1F098D7E-F949-4548-BBC1-4392F3CABD50}" type="datetimeFigureOut">
               <a:rPr lang="zh-TW" altLang="en-US" smtClean="0"/>
-              <a:t>2017/12/16</a:t>
+              <a:t>2019/11/9</a:t>
             </a:fld>
             <a:endParaRPr lang="zh-TW" altLang="en-US"/>
           </a:p>
@@ -456,7 +472,7 @@
           <a:p>
             <a:fld id="{1F098D7E-F949-4548-BBC1-4392F3CABD50}" type="datetimeFigureOut">
               <a:rPr lang="zh-TW" altLang="en-US" smtClean="0"/>
-              <a:t>2017/12/16</a:t>
+              <a:t>2019/11/9</a:t>
             </a:fld>
             <a:endParaRPr lang="zh-TW" altLang="en-US"/>
           </a:p>
@@ -541,8 +557,8 @@
         </p:nvSpPr>
         <p:spPr>
           <a:xfrm>
-            <a:off x="6629400" y="274638"/>
-            <a:ext cx="2057400" cy="5851525"/>
+            <a:off x="8839200" y="274639"/>
+            <a:ext cx="2743200" cy="5851525"/>
           </a:xfrm>
         </p:spPr>
         <p:txBody>
@@ -569,8 +585,8 @@
         </p:nvSpPr>
         <p:spPr>
           <a:xfrm>
-            <a:off x="457200" y="274638"/>
-            <a:ext cx="6019800" cy="5851525"/>
+            <a:off x="609600" y="274639"/>
+            <a:ext cx="8026400" cy="5851525"/>
           </a:xfrm>
         </p:spPr>
         <p:txBody>
@@ -631,7 +647,7 @@
           <a:p>
             <a:fld id="{1F098D7E-F949-4548-BBC1-4392F3CABD50}" type="datetimeFigureOut">
               <a:rPr lang="zh-TW" altLang="en-US" smtClean="0"/>
-              <a:t>2017/12/16</a:t>
+              <a:t>2019/11/9</a:t>
             </a:fld>
             <a:endParaRPr lang="zh-TW" altLang="en-US"/>
           </a:p>
@@ -796,7 +812,7 @@
           <a:p>
             <a:fld id="{1F098D7E-F949-4548-BBC1-4392F3CABD50}" type="datetimeFigureOut">
               <a:rPr lang="zh-TW" altLang="en-US" smtClean="0"/>
-              <a:t>2017/12/16</a:t>
+              <a:t>2019/11/9</a:t>
             </a:fld>
             <a:endParaRPr lang="zh-TW" altLang="en-US"/>
           </a:p>
@@ -881,8 +897,8 @@
         </p:nvSpPr>
         <p:spPr>
           <a:xfrm>
-            <a:off x="722313" y="4406900"/>
-            <a:ext cx="7772400" cy="1362075"/>
+            <a:off x="963084" y="4406901"/>
+            <a:ext cx="10363200" cy="1362075"/>
           </a:xfrm>
         </p:spPr>
         <p:txBody>
@@ -913,8 +929,8 @@
         </p:nvSpPr>
         <p:spPr>
           <a:xfrm>
-            <a:off x="722313" y="2906713"/>
-            <a:ext cx="7772400" cy="1500187"/>
+            <a:off x="963084" y="2906713"/>
+            <a:ext cx="10363200" cy="1500187"/>
           </a:xfrm>
         </p:spPr>
         <p:txBody>
@@ -1037,7 +1053,7 @@
           <a:p>
             <a:fld id="{1F098D7E-F949-4548-BBC1-4392F3CABD50}" type="datetimeFigureOut">
               <a:rPr lang="zh-TW" altLang="en-US" smtClean="0"/>
-              <a:t>2017/12/16</a:t>
+              <a:t>2019/11/9</a:t>
             </a:fld>
             <a:endParaRPr lang="zh-TW" altLang="en-US"/>
           </a:p>
@@ -1145,8 +1161,8 @@
         </p:nvSpPr>
         <p:spPr>
           <a:xfrm>
-            <a:off x="457200" y="1600200"/>
-            <a:ext cx="4038600" cy="4525963"/>
+            <a:off x="609600" y="1600201"/>
+            <a:ext cx="5384800" cy="4525963"/>
           </a:xfrm>
         </p:spPr>
         <p:txBody>
@@ -1230,8 +1246,8 @@
         </p:nvSpPr>
         <p:spPr>
           <a:xfrm>
-            <a:off x="4648200" y="1600200"/>
-            <a:ext cx="4038600" cy="4525963"/>
+            <a:off x="6197600" y="1600201"/>
+            <a:ext cx="5384800" cy="4525963"/>
           </a:xfrm>
         </p:spPr>
         <p:txBody>
@@ -1320,7 +1336,7 @@
           <a:p>
             <a:fld id="{1F098D7E-F949-4548-BBC1-4392F3CABD50}" type="datetimeFigureOut">
               <a:rPr lang="zh-TW" altLang="en-US" smtClean="0"/>
-              <a:t>2017/12/16</a:t>
+              <a:t>2019/11/9</a:t>
             </a:fld>
             <a:endParaRPr lang="zh-TW" altLang="en-US"/>
           </a:p>
@@ -1432,8 +1448,8 @@
         </p:nvSpPr>
         <p:spPr>
           <a:xfrm>
-            <a:off x="457200" y="1535113"/>
-            <a:ext cx="4040188" cy="639762"/>
+            <a:off x="609600" y="1535113"/>
+            <a:ext cx="5386917" cy="639762"/>
           </a:xfrm>
         </p:spPr>
         <p:txBody>
@@ -1497,8 +1513,8 @@
         </p:nvSpPr>
         <p:spPr>
           <a:xfrm>
-            <a:off x="457200" y="2174875"/>
-            <a:ext cx="4040188" cy="3951288"/>
+            <a:off x="609600" y="2174875"/>
+            <a:ext cx="5386917" cy="3951288"/>
           </a:xfrm>
         </p:spPr>
         <p:txBody>
@@ -1582,8 +1598,8 @@
         </p:nvSpPr>
         <p:spPr>
           <a:xfrm>
-            <a:off x="4645025" y="1535113"/>
-            <a:ext cx="4041775" cy="639762"/>
+            <a:off x="6193368" y="1535113"/>
+            <a:ext cx="5389033" cy="639762"/>
           </a:xfrm>
         </p:spPr>
         <p:txBody>
@@ -1647,8 +1663,8 @@
         </p:nvSpPr>
         <p:spPr>
           <a:xfrm>
-            <a:off x="4645025" y="2174875"/>
-            <a:ext cx="4041775" cy="3951288"/>
+            <a:off x="6193368" y="2174875"/>
+            <a:ext cx="5389033" cy="3951288"/>
           </a:xfrm>
         </p:spPr>
         <p:txBody>
@@ -1737,7 +1753,7 @@
           <a:p>
             <a:fld id="{1F098D7E-F949-4548-BBC1-4392F3CABD50}" type="datetimeFigureOut">
               <a:rPr lang="zh-TW" altLang="en-US" smtClean="0"/>
-              <a:t>2017/12/16</a:t>
+              <a:t>2019/11/9</a:t>
             </a:fld>
             <a:endParaRPr lang="zh-TW" altLang="en-US"/>
           </a:p>
@@ -1850,7 +1866,7 @@
           <a:p>
             <a:fld id="{1F098D7E-F949-4548-BBC1-4392F3CABD50}" type="datetimeFigureOut">
               <a:rPr lang="zh-TW" altLang="en-US" smtClean="0"/>
-              <a:t>2017/12/16</a:t>
+              <a:t>2019/11/9</a:t>
             </a:fld>
             <a:endParaRPr lang="zh-TW" altLang="en-US"/>
           </a:p>
@@ -1940,7 +1956,7 @@
           <a:p>
             <a:fld id="{1F098D7E-F949-4548-BBC1-4392F3CABD50}" type="datetimeFigureOut">
               <a:rPr lang="zh-TW" altLang="en-US" smtClean="0"/>
-              <a:t>2017/12/16</a:t>
+              <a:t>2019/11/9</a:t>
             </a:fld>
             <a:endParaRPr lang="zh-TW" altLang="en-US"/>
           </a:p>
@@ -2025,8 +2041,8 @@
         </p:nvSpPr>
         <p:spPr>
           <a:xfrm>
-            <a:off x="457200" y="273050"/>
-            <a:ext cx="3008313" cy="1162050"/>
+            <a:off x="609601" y="273050"/>
+            <a:ext cx="4011084" cy="1162050"/>
           </a:xfrm>
         </p:spPr>
         <p:txBody>
@@ -2057,8 +2073,8 @@
         </p:nvSpPr>
         <p:spPr>
           <a:xfrm>
-            <a:off x="3575050" y="273050"/>
-            <a:ext cx="5111750" cy="5853113"/>
+            <a:off x="4766733" y="273051"/>
+            <a:ext cx="6815667" cy="5853113"/>
           </a:xfrm>
         </p:spPr>
         <p:txBody>
@@ -2142,8 +2158,8 @@
         </p:nvSpPr>
         <p:spPr>
           <a:xfrm>
-            <a:off x="457200" y="1435100"/>
-            <a:ext cx="3008313" cy="4691063"/>
+            <a:off x="609601" y="1435101"/>
+            <a:ext cx="4011084" cy="4691063"/>
           </a:xfrm>
         </p:spPr>
         <p:txBody>
@@ -2212,7 +2228,7 @@
           <a:p>
             <a:fld id="{1F098D7E-F949-4548-BBC1-4392F3CABD50}" type="datetimeFigureOut">
               <a:rPr lang="zh-TW" altLang="en-US" smtClean="0"/>
-              <a:t>2017/12/16</a:t>
+              <a:t>2019/11/9</a:t>
             </a:fld>
             <a:endParaRPr lang="zh-TW" altLang="en-US"/>
           </a:p>
@@ -2297,8 +2313,8 @@
         </p:nvSpPr>
         <p:spPr>
           <a:xfrm>
-            <a:off x="1792288" y="4800600"/>
-            <a:ext cx="5486400" cy="566738"/>
+            <a:off x="2389717" y="4800600"/>
+            <a:ext cx="7315200" cy="566738"/>
           </a:xfrm>
         </p:spPr>
         <p:txBody>
@@ -2329,8 +2345,8 @@
         </p:nvSpPr>
         <p:spPr>
           <a:xfrm>
-            <a:off x="1792288" y="612775"/>
-            <a:ext cx="5486400" cy="4114800"/>
+            <a:off x="2389717" y="612775"/>
+            <a:ext cx="7315200" cy="4114800"/>
           </a:xfrm>
         </p:spPr>
         <p:txBody>
@@ -2394,8 +2410,8 @@
         </p:nvSpPr>
         <p:spPr>
           <a:xfrm>
-            <a:off x="1792288" y="5367338"/>
-            <a:ext cx="5486400" cy="804862"/>
+            <a:off x="2389717" y="5367338"/>
+            <a:ext cx="7315200" cy="804862"/>
           </a:xfrm>
         </p:spPr>
         <p:txBody>
@@ -2464,7 +2480,7 @@
           <a:p>
             <a:fld id="{1F098D7E-F949-4548-BBC1-4392F3CABD50}" type="datetimeFigureOut">
               <a:rPr lang="zh-TW" altLang="en-US" smtClean="0"/>
-              <a:t>2017/12/16</a:t>
+              <a:t>2019/11/9</a:t>
             </a:fld>
             <a:endParaRPr lang="zh-TW" altLang="en-US"/>
           </a:p>
@@ -2559,8 +2575,8 @@
         </p:nvSpPr>
         <p:spPr>
           <a:xfrm>
-            <a:off x="457200" y="274638"/>
-            <a:ext cx="8229600" cy="1143000"/>
+            <a:off x="609600" y="274638"/>
+            <a:ext cx="10972800" cy="1143000"/>
           </a:xfrm>
           <a:prstGeom prst="rect">
             <a:avLst/>
@@ -2592,8 +2608,8 @@
         </p:nvSpPr>
         <p:spPr>
           <a:xfrm>
-            <a:off x="457200" y="1600200"/>
-            <a:ext cx="8229600" cy="4525963"/>
+            <a:off x="609600" y="1600201"/>
+            <a:ext cx="10972800" cy="4525963"/>
           </a:xfrm>
           <a:prstGeom prst="rect">
             <a:avLst/>
@@ -2654,8 +2670,8 @@
         </p:nvSpPr>
         <p:spPr>
           <a:xfrm>
-            <a:off x="457200" y="6356350"/>
-            <a:ext cx="2133600" cy="365125"/>
+            <a:off x="609600" y="6356351"/>
+            <a:ext cx="2844800" cy="365125"/>
           </a:xfrm>
           <a:prstGeom prst="rect">
             <a:avLst/>
@@ -2677,7 +2693,7 @@
           <a:p>
             <a:fld id="{1F098D7E-F949-4548-BBC1-4392F3CABD50}" type="datetimeFigureOut">
               <a:rPr lang="zh-TW" altLang="en-US" smtClean="0"/>
-              <a:t>2017/12/16</a:t>
+              <a:t>2019/11/9</a:t>
             </a:fld>
             <a:endParaRPr lang="zh-TW" altLang="en-US"/>
           </a:p>
@@ -2695,8 +2711,8 @@
         </p:nvSpPr>
         <p:spPr>
           <a:xfrm>
-            <a:off x="3124200" y="6356350"/>
-            <a:ext cx="2895600" cy="365125"/>
+            <a:off x="4165600" y="6356351"/>
+            <a:ext cx="3860800" cy="365125"/>
           </a:xfrm>
           <a:prstGeom prst="rect">
             <a:avLst/>
@@ -2732,8 +2748,8 @@
         </p:nvSpPr>
         <p:spPr>
           <a:xfrm>
-            <a:off x="6553200" y="6356350"/>
-            <a:ext cx="2133600" cy="365125"/>
+            <a:off x="8737600" y="6356351"/>
+            <a:ext cx="2844800" cy="365125"/>
           </a:xfrm>
           <a:prstGeom prst="rect">
             <a:avLst/>
@@ -3113,49 +3129,7 @@
               <a:t>宇宙的</a:t>
             </a:r>
             <a:r>
-              <a:rPr lang="zh-TW" altLang="en-US" sz="5400" b="1" dirty="0" smtClean="0">
-                <a:solidFill>
-                  <a:srgbClr val="000066"/>
-                </a:solidFill>
-                <a:latin typeface="微軟正黑體" pitchFamily="34" charset="-120"/>
-                <a:ea typeface="微軟正黑體" pitchFamily="34" charset="-120"/>
-              </a:rPr>
-              <a:t>中心  耶穌</a:t>
-            </a:r>
-            <a:endParaRPr lang="en-US" altLang="zh-TW" sz="5400" b="1" dirty="0" smtClean="0">
-              <a:solidFill>
-                <a:srgbClr val="000066"/>
-              </a:solidFill>
-              <a:latin typeface="微軟正黑體" pitchFamily="34" charset="-120"/>
-              <a:ea typeface="微軟正黑體" pitchFamily="34" charset="-120"/>
-            </a:endParaRPr>
-          </a:p>
-          <a:p>
-            <a:pPr algn="ctr">
-              <a:buNone/>
-            </a:pPr>
-            <a:r>
-              <a:rPr lang="zh-TW" altLang="en-US" sz="5400" b="1" dirty="0" smtClean="0">
-                <a:solidFill>
-                  <a:srgbClr val="000066"/>
-                </a:solidFill>
-                <a:latin typeface="微軟正黑體" pitchFamily="34" charset="-120"/>
-                <a:ea typeface="微軟正黑體" pitchFamily="34" charset="-120"/>
-              </a:rPr>
-              <a:t>世界</a:t>
-            </a:r>
-            <a:r>
               <a:rPr lang="zh-TW" altLang="en-US" sz="5400" b="1" dirty="0">
-                <a:solidFill>
-                  <a:srgbClr val="000066"/>
-                </a:solidFill>
-                <a:latin typeface="微軟正黑體" pitchFamily="34" charset="-120"/>
-                <a:ea typeface="微軟正黑體" pitchFamily="34" charset="-120"/>
-              </a:rPr>
-              <a:t>的</a:t>
-            </a:r>
-            <a:r>
-              <a:rPr lang="zh-TW" altLang="en-US" sz="5400" b="1" dirty="0" smtClean="0">
                 <a:solidFill>
                   <a:srgbClr val="000066"/>
                 </a:solidFill>
@@ -3177,14 +3151,14 @@
               <a:buNone/>
             </a:pPr>
             <a:r>
-              <a:rPr lang="zh-TW" altLang="en-US" sz="5400" b="1" dirty="0" smtClean="0">
+              <a:rPr lang="zh-TW" altLang="en-US" sz="5400" b="1" dirty="0">
                 <a:solidFill>
                   <a:srgbClr val="000066"/>
                 </a:solidFill>
                 <a:latin typeface="微軟正黑體" pitchFamily="34" charset="-120"/>
                 <a:ea typeface="微軟正黑體" pitchFamily="34" charset="-120"/>
               </a:rPr>
-              <a:t>萬物</a:t>
+              <a:t>世界</a:t>
             </a:r>
             <a:r>
               <a:rPr lang="zh-TW" altLang="en-US" sz="5400" b="1" dirty="0">
@@ -3194,19 +3168,19 @@
                 <a:latin typeface="微軟正黑體" pitchFamily="34" charset="-120"/>
                 <a:ea typeface="微軟正黑體" pitchFamily="34" charset="-120"/>
               </a:rPr>
-              <a:t>都本於</a:t>
-            </a:r>
-            <a:r>
-              <a:rPr lang="zh-TW" altLang="en-US" sz="5400" b="1" dirty="0" smtClean="0">
+              <a:t>的</a:t>
+            </a:r>
+            <a:r>
+              <a:rPr lang="zh-TW" altLang="en-US" sz="5400" b="1" dirty="0">
                 <a:solidFill>
                   <a:srgbClr val="000066"/>
                 </a:solidFill>
                 <a:latin typeface="微軟正黑體" pitchFamily="34" charset="-120"/>
                 <a:ea typeface="微軟正黑體" pitchFamily="34" charset="-120"/>
               </a:rPr>
-              <a:t>你</a:t>
-            </a:r>
-            <a:endParaRPr lang="en-US" altLang="zh-TW" sz="5400" b="1" dirty="0" smtClean="0">
+              <a:t>中心  耶穌</a:t>
+            </a:r>
+            <a:endParaRPr lang="en-US" altLang="zh-TW" sz="5400" b="1" dirty="0">
               <a:solidFill>
                 <a:srgbClr val="000066"/>
               </a:solidFill>
@@ -3219,16 +3193,66 @@
               <a:buNone/>
             </a:pPr>
             <a:r>
-              <a:rPr lang="zh-TW" altLang="en-US" sz="5400" b="1" dirty="0" smtClean="0">
+              <a:rPr lang="zh-TW" altLang="en-US" sz="5400" b="1" dirty="0">
                 <a:solidFill>
                   <a:srgbClr val="000066"/>
                 </a:solidFill>
                 <a:latin typeface="微軟正黑體" pitchFamily="34" charset="-120"/>
                 <a:ea typeface="微軟正黑體" pitchFamily="34" charset="-120"/>
               </a:rPr>
-              <a:t>屬於你  歸於你</a:t>
-            </a:r>
-            <a:endParaRPr lang="en-US" altLang="zh-TW" sz="5400" b="1" dirty="0" smtClean="0">
+              <a:t>萬物</a:t>
+            </a:r>
+            <a:r>
+              <a:rPr lang="zh-TW" altLang="en-US" sz="5400" b="1" dirty="0">
+                <a:solidFill>
+                  <a:srgbClr val="000066"/>
+                </a:solidFill>
+                <a:latin typeface="微軟正黑體" pitchFamily="34" charset="-120"/>
+                <a:ea typeface="微軟正黑體" pitchFamily="34" charset="-120"/>
+              </a:rPr>
+              <a:t>都本於</a:t>
+            </a:r>
+            <a:r>
+              <a:rPr lang="zh-TW" altLang="en-US" sz="5400" b="1" dirty="0" smtClean="0">
+                <a:solidFill>
+                  <a:srgbClr val="000066"/>
+                </a:solidFill>
+                <a:latin typeface="微軟正黑體" pitchFamily="34" charset="-120"/>
+                <a:ea typeface="微軟正黑體" pitchFamily="34" charset="-120"/>
+              </a:rPr>
+              <a:t>你</a:t>
+            </a:r>
+            <a:r>
+              <a:rPr lang="en-US" altLang="zh-TW" sz="5400" b="1" dirty="0" smtClean="0">
+                <a:solidFill>
+                  <a:srgbClr val="000066"/>
+                </a:solidFill>
+                <a:latin typeface="微軟正黑體" pitchFamily="34" charset="-120"/>
+                <a:ea typeface="微軟正黑體" pitchFamily="34" charset="-120"/>
+              </a:rPr>
+              <a:t>  </a:t>
+            </a:r>
+            <a:r>
+              <a:rPr lang="zh-TW" altLang="en-US" sz="5400" b="1" dirty="0" smtClean="0">
+                <a:solidFill>
+                  <a:srgbClr val="000066"/>
+                </a:solidFill>
+                <a:latin typeface="微軟正黑體" pitchFamily="34" charset="-120"/>
+                <a:ea typeface="微軟正黑體" pitchFamily="34" charset="-120"/>
+              </a:rPr>
+              <a:t>屬</a:t>
+            </a:r>
+            <a:r>
+              <a:rPr lang="zh-TW" altLang="en-US" sz="5400" b="1" dirty="0">
+                <a:solidFill>
+                  <a:srgbClr val="000066"/>
+                </a:solidFill>
+                <a:latin typeface="微軟正黑體" pitchFamily="34" charset="-120"/>
+                <a:ea typeface="微軟正黑體" pitchFamily="34" charset="-120"/>
+              </a:rPr>
+              <a:t>於你  歸於你</a:t>
+            </a:r>
+            <a:endParaRPr lang="en-US" altLang="zh-TW" sz="5400" b="1" dirty="0">
               <a:solidFill>
                 <a:srgbClr val="000066"/>
               </a:solidFill>
@@ -3241,7 +3265,7 @@
               <a:buNone/>
             </a:pPr>
             <a:r>
-              <a:rPr lang="zh-TW" altLang="en-US" sz="5400" b="1" dirty="0" smtClean="0">
+              <a:rPr lang="zh-TW" altLang="en-US" sz="5400" b="1" dirty="0">
                 <a:solidFill>
                   <a:srgbClr val="000066"/>
                 </a:solidFill>
@@ -3344,7 +3368,7 @@
               <a:buNone/>
             </a:pPr>
             <a:r>
-              <a:rPr lang="zh-TW" altLang="en-US" sz="5400" b="1" dirty="0" smtClean="0">
+              <a:rPr lang="zh-TW" altLang="en-US" sz="5400" b="1" dirty="0">
                 <a:solidFill>
                   <a:srgbClr val="000066"/>
                 </a:solidFill>
@@ -3353,7 +3377,7 @@
               </a:rPr>
               <a:t>我們歡迎君王降臨</a:t>
             </a:r>
-            <a:endParaRPr lang="en-US" altLang="zh-TW" sz="5400" b="1" dirty="0" smtClean="0">
+            <a:endParaRPr lang="en-US" altLang="zh-TW" sz="5400" b="1" dirty="0">
               <a:solidFill>
                 <a:srgbClr val="000066"/>
               </a:solidFill>
@@ -3366,7 +3390,7 @@
               <a:buNone/>
             </a:pPr>
             <a:r>
-              <a:rPr lang="zh-TW" altLang="en-US" sz="5400" b="1" dirty="0" smtClean="0">
+              <a:rPr lang="zh-TW" altLang="en-US" sz="5400" b="1" dirty="0">
                 <a:solidFill>
                   <a:srgbClr val="000066"/>
                 </a:solidFill>
@@ -3375,7 +3399,7 @@
               </a:rPr>
               <a:t>渴望看見你的彰顯</a:t>
             </a:r>
-            <a:endParaRPr lang="en-US" altLang="zh-TW" sz="5400" b="1" dirty="0" smtClean="0">
+            <a:endParaRPr lang="en-US" altLang="zh-TW" sz="5400" b="1" dirty="0">
               <a:solidFill>
                 <a:srgbClr val="000066"/>
               </a:solidFill>
@@ -3388,7 +3412,7 @@
               <a:buNone/>
             </a:pPr>
             <a:r>
-              <a:rPr lang="zh-TW" altLang="en-US" sz="5400" b="1" dirty="0" smtClean="0">
+              <a:rPr lang="zh-TW" altLang="en-US" sz="5400" b="1" dirty="0">
                 <a:solidFill>
                   <a:srgbClr val="000066"/>
                 </a:solidFill>
@@ -3397,7 +3421,7 @@
               </a:rPr>
               <a:t>呼求你來翻轉震動這土地</a:t>
             </a:r>
-            <a:endParaRPr lang="en-US" altLang="zh-TW" sz="5400" b="1" dirty="0" smtClean="0">
+            <a:endParaRPr lang="en-US" altLang="zh-TW" sz="5400" b="1" dirty="0">
               <a:solidFill>
                 <a:srgbClr val="000066"/>
               </a:solidFill>
@@ -3410,7 +3434,7 @@
               <a:buNone/>
             </a:pPr>
             <a:r>
-              <a:rPr lang="zh-TW" altLang="en-US" sz="5400" b="1" dirty="0" smtClean="0">
+              <a:rPr lang="zh-TW" altLang="en-US" sz="5400" b="1" dirty="0">
                 <a:solidFill>
                   <a:srgbClr val="000066"/>
                 </a:solidFill>
@@ -3510,7 +3534,7 @@
               <a:buNone/>
             </a:pPr>
             <a:r>
-              <a:rPr lang="zh-TW" altLang="en-US" sz="5400" b="1" dirty="0" smtClean="0">
+              <a:rPr lang="zh-TW" altLang="en-US" sz="5400" b="1" dirty="0">
                 <a:solidFill>
                   <a:srgbClr val="000066"/>
                 </a:solidFill>
@@ -3519,7 +3543,7 @@
               </a:rPr>
               <a:t>我們歡迎君王降臨</a:t>
             </a:r>
-            <a:endParaRPr lang="en-US" altLang="zh-TW" sz="5400" b="1" dirty="0" smtClean="0">
+            <a:endParaRPr lang="en-US" altLang="zh-TW" sz="5400" b="1" dirty="0">
               <a:solidFill>
                 <a:srgbClr val="000066"/>
               </a:solidFill>
@@ -3532,7 +3556,7 @@
               <a:buNone/>
             </a:pPr>
             <a:r>
-              <a:rPr lang="zh-TW" altLang="en-US" sz="5400" b="1" dirty="0" smtClean="0">
+              <a:rPr lang="zh-TW" altLang="en-US" sz="5400" b="1" dirty="0">
                 <a:solidFill>
                   <a:srgbClr val="000066"/>
                 </a:solidFill>
@@ -3541,7 +3565,7 @@
               </a:rPr>
               <a:t>同心高舉你聖潔的名</a:t>
             </a:r>
-            <a:endParaRPr lang="en-US" altLang="zh-TW" sz="5400" b="1" dirty="0" smtClean="0">
+            <a:endParaRPr lang="en-US" altLang="zh-TW" sz="5400" b="1" dirty="0">
               <a:solidFill>
                 <a:srgbClr val="000066"/>
               </a:solidFill>
@@ -3554,7 +3578,7 @@
               <a:buNone/>
             </a:pPr>
             <a:r>
-              <a:rPr lang="zh-TW" altLang="en-US" sz="5400" b="1" dirty="0" smtClean="0">
+              <a:rPr lang="zh-TW" altLang="en-US" sz="5400" b="1" dirty="0">
                 <a:solidFill>
                   <a:srgbClr val="000066"/>
                 </a:solidFill>
@@ -3563,7 +3587,7 @@
               </a:rPr>
               <a:t>呼求天窗打開  春雨不停息</a:t>
             </a:r>
-            <a:endParaRPr lang="en-US" altLang="zh-TW" sz="5400" b="1" dirty="0" smtClean="0">
+            <a:endParaRPr lang="en-US" altLang="zh-TW" sz="5400" b="1" dirty="0">
               <a:solidFill>
                 <a:srgbClr val="000066"/>
               </a:solidFill>
@@ -3576,7 +3600,7 @@
               <a:buNone/>
             </a:pPr>
             <a:r>
-              <a:rPr lang="zh-TW" altLang="en-US" sz="5400" b="1" dirty="0" smtClean="0">
+              <a:rPr lang="zh-TW" altLang="en-US" sz="5400" b="1" dirty="0">
                 <a:solidFill>
                   <a:srgbClr val="000066"/>
                 </a:solidFill>
@@ -3669,7 +3693,7 @@
               <a:buNone/>
             </a:pPr>
             <a:r>
-              <a:rPr lang="zh-TW" altLang="en-US" sz="5400" b="1" dirty="0" smtClean="0">
+              <a:rPr lang="zh-TW" altLang="en-US" sz="5400" b="1" dirty="0">
                 <a:solidFill>
                   <a:srgbClr val="000066"/>
                 </a:solidFill>
@@ -3678,7 +3702,7 @@
               </a:rPr>
               <a:t>大大張口  大大充滿</a:t>
             </a:r>
-            <a:endParaRPr lang="en-US" altLang="zh-TW" sz="5400" b="1" dirty="0" smtClean="0">
+            <a:endParaRPr lang="en-US" altLang="zh-TW" sz="5400" b="1" dirty="0">
               <a:solidFill>
                 <a:srgbClr val="000066"/>
               </a:solidFill>
@@ -3691,7 +3715,7 @@
               <a:buNone/>
             </a:pPr>
             <a:r>
-              <a:rPr lang="zh-TW" altLang="en-US" sz="5400" b="1" dirty="0" smtClean="0">
+              <a:rPr lang="zh-TW" altLang="en-US" sz="5400" b="1" dirty="0">
                 <a:solidFill>
                   <a:srgbClr val="000066"/>
                 </a:solidFill>
@@ -3700,7 +3724,7 @@
               </a:rPr>
               <a:t>恩膏如雨  澆灌這地</a:t>
             </a:r>
-            <a:endParaRPr lang="en-US" altLang="zh-TW" sz="5400" b="1" dirty="0" smtClean="0">
+            <a:endParaRPr lang="en-US" altLang="zh-TW" sz="5400" b="1" dirty="0">
               <a:solidFill>
                 <a:srgbClr val="000066"/>
               </a:solidFill>
@@ -3713,7 +3737,7 @@
               <a:buNone/>
             </a:pPr>
             <a:r>
-              <a:rPr lang="zh-TW" altLang="en-US" sz="5400" b="1" dirty="0" smtClean="0">
+              <a:rPr lang="zh-TW" altLang="en-US" sz="5400" b="1" dirty="0">
                 <a:solidFill>
                   <a:srgbClr val="000066"/>
                 </a:solidFill>
@@ -3722,7 +3746,7 @@
               </a:rPr>
               <a:t>眼未看見  耳未聽見</a:t>
             </a:r>
-            <a:endParaRPr lang="en-US" altLang="zh-TW" sz="5400" b="1" dirty="0" smtClean="0">
+            <a:endParaRPr lang="en-US" altLang="zh-TW" sz="5400" b="1" dirty="0">
               <a:solidFill>
                 <a:srgbClr val="000066"/>
               </a:solidFill>
@@ -3735,7 +3759,7 @@
               <a:buNone/>
             </a:pPr>
             <a:r>
-              <a:rPr lang="zh-TW" altLang="en-US" sz="5400" b="1" dirty="0" smtClean="0">
+              <a:rPr lang="zh-TW" altLang="en-US" sz="5400" b="1" dirty="0">
                 <a:solidFill>
                   <a:srgbClr val="000066"/>
                 </a:solidFill>

--- a/我們歡迎君王降臨(崇拜版).pptx
+++ b/我們歡迎君王降臨(崇拜版).pptx
@@ -10,7 +10,7 @@
     <p:sldId id="258" r:id="rId4"/>
     <p:sldId id="259" r:id="rId5"/>
   </p:sldIdLst>
-  <p:sldSz cx="12192000" cy="6858000"/>
+  <p:sldSz cx="9144000" cy="5143500" type="screen16x9"/>
   <p:notesSz cx="6858000" cy="9144000"/>
   <p:defaultTextStyle>
     <a:defPPr>
@@ -107,22 +107,6 @@
       </a:defRPr>
     </a:lvl9pPr>
   </p:defaultTextStyle>
-  <p:extLst>
-    <p:ext uri="{EFAFB233-063F-42B5-8137-9DF3F51BA10A}">
-      <p15:sldGuideLst xmlns:p15="http://schemas.microsoft.com/office/powerpoint/2012/main">
-        <p15:guide id="1" orient="horz" pos="2160" userDrawn="1">
-          <p15:clr>
-            <a:srgbClr val="A4A3A4"/>
-          </p15:clr>
-        </p15:guide>
-        <p15:guide id="2" pos="3840" userDrawn="1">
-          <p15:clr>
-            <a:srgbClr val="A4A3A4"/>
-          </p15:clr>
-        </p15:guide>
-      </p15:sldGuideLst>
-    </p:ext>
-  </p:extLst>
 </p:presentation>
 </file>
 
@@ -155,8 +139,8 @@
         </p:nvSpPr>
         <p:spPr>
           <a:xfrm>
-            <a:off x="914400" y="2130426"/>
-            <a:ext cx="10363200" cy="1470025"/>
+            <a:off x="685800" y="1597819"/>
+            <a:ext cx="7772400" cy="1102519"/>
           </a:xfrm>
         </p:spPr>
         <p:txBody>
@@ -183,8 +167,8 @@
         </p:nvSpPr>
         <p:spPr>
           <a:xfrm>
-            <a:off x="1828800" y="3886200"/>
-            <a:ext cx="8534400" cy="1752600"/>
+            <a:off x="1371600" y="2914650"/>
+            <a:ext cx="6400800" cy="1314450"/>
           </a:xfrm>
         </p:spPr>
         <p:txBody>
@@ -307,7 +291,7 @@
           <a:p>
             <a:fld id="{1F098D7E-F949-4548-BBC1-4392F3CABD50}" type="datetimeFigureOut">
               <a:rPr lang="zh-TW" altLang="en-US" smtClean="0"/>
-              <a:t>2019/11/9</a:t>
+              <a:t>2019/10/26</a:t>
             </a:fld>
             <a:endParaRPr lang="zh-TW" altLang="en-US"/>
           </a:p>
@@ -472,7 +456,7 @@
           <a:p>
             <a:fld id="{1F098D7E-F949-4548-BBC1-4392F3CABD50}" type="datetimeFigureOut">
               <a:rPr lang="zh-TW" altLang="en-US" smtClean="0"/>
-              <a:t>2019/11/9</a:t>
+              <a:t>2019/10/26</a:t>
             </a:fld>
             <a:endParaRPr lang="zh-TW" altLang="en-US"/>
           </a:p>
@@ -557,8 +541,8 @@
         </p:nvSpPr>
         <p:spPr>
           <a:xfrm>
-            <a:off x="8839200" y="274639"/>
-            <a:ext cx="2743200" cy="5851525"/>
+            <a:off x="6629400" y="205979"/>
+            <a:ext cx="2057400" cy="4388644"/>
           </a:xfrm>
         </p:spPr>
         <p:txBody>
@@ -585,8 +569,8 @@
         </p:nvSpPr>
         <p:spPr>
           <a:xfrm>
-            <a:off x="609600" y="274639"/>
-            <a:ext cx="8026400" cy="5851525"/>
+            <a:off x="457200" y="205979"/>
+            <a:ext cx="6019800" cy="4388644"/>
           </a:xfrm>
         </p:spPr>
         <p:txBody>
@@ -647,7 +631,7 @@
           <a:p>
             <a:fld id="{1F098D7E-F949-4548-BBC1-4392F3CABD50}" type="datetimeFigureOut">
               <a:rPr lang="zh-TW" altLang="en-US" smtClean="0"/>
-              <a:t>2019/11/9</a:t>
+              <a:t>2019/10/26</a:t>
             </a:fld>
             <a:endParaRPr lang="zh-TW" altLang="en-US"/>
           </a:p>
@@ -812,7 +796,7 @@
           <a:p>
             <a:fld id="{1F098D7E-F949-4548-BBC1-4392F3CABD50}" type="datetimeFigureOut">
               <a:rPr lang="zh-TW" altLang="en-US" smtClean="0"/>
-              <a:t>2019/11/9</a:t>
+              <a:t>2019/10/26</a:t>
             </a:fld>
             <a:endParaRPr lang="zh-TW" altLang="en-US"/>
           </a:p>
@@ -897,8 +881,8 @@
         </p:nvSpPr>
         <p:spPr>
           <a:xfrm>
-            <a:off x="963084" y="4406901"/>
-            <a:ext cx="10363200" cy="1362075"/>
+            <a:off x="722313" y="3305176"/>
+            <a:ext cx="7772400" cy="1021556"/>
           </a:xfrm>
         </p:spPr>
         <p:txBody>
@@ -929,8 +913,8 @@
         </p:nvSpPr>
         <p:spPr>
           <a:xfrm>
-            <a:off x="963084" y="2906713"/>
-            <a:ext cx="10363200" cy="1500187"/>
+            <a:off x="722313" y="2180035"/>
+            <a:ext cx="7772400" cy="1125140"/>
           </a:xfrm>
         </p:spPr>
         <p:txBody>
@@ -1053,7 +1037,7 @@
           <a:p>
             <a:fld id="{1F098D7E-F949-4548-BBC1-4392F3CABD50}" type="datetimeFigureOut">
               <a:rPr lang="zh-TW" altLang="en-US" smtClean="0"/>
-              <a:t>2019/11/9</a:t>
+              <a:t>2019/10/26</a:t>
             </a:fld>
             <a:endParaRPr lang="zh-TW" altLang="en-US"/>
           </a:p>
@@ -1161,8 +1145,8 @@
         </p:nvSpPr>
         <p:spPr>
           <a:xfrm>
-            <a:off x="609600" y="1600201"/>
-            <a:ext cx="5384800" cy="4525963"/>
+            <a:off x="457200" y="1200151"/>
+            <a:ext cx="4038600" cy="3394472"/>
           </a:xfrm>
         </p:spPr>
         <p:txBody>
@@ -1246,8 +1230,8 @@
         </p:nvSpPr>
         <p:spPr>
           <a:xfrm>
-            <a:off x="6197600" y="1600201"/>
-            <a:ext cx="5384800" cy="4525963"/>
+            <a:off x="4648200" y="1200151"/>
+            <a:ext cx="4038600" cy="3394472"/>
           </a:xfrm>
         </p:spPr>
         <p:txBody>
@@ -1336,7 +1320,7 @@
           <a:p>
             <a:fld id="{1F098D7E-F949-4548-BBC1-4392F3CABD50}" type="datetimeFigureOut">
               <a:rPr lang="zh-TW" altLang="en-US" smtClean="0"/>
-              <a:t>2019/11/9</a:t>
+              <a:t>2019/10/26</a:t>
             </a:fld>
             <a:endParaRPr lang="zh-TW" altLang="en-US"/>
           </a:p>
@@ -1448,8 +1432,8 @@
         </p:nvSpPr>
         <p:spPr>
           <a:xfrm>
-            <a:off x="609600" y="1535113"/>
-            <a:ext cx="5386917" cy="639762"/>
+            <a:off x="457200" y="1151335"/>
+            <a:ext cx="4040188" cy="479822"/>
           </a:xfrm>
         </p:spPr>
         <p:txBody>
@@ -1513,8 +1497,8 @@
         </p:nvSpPr>
         <p:spPr>
           <a:xfrm>
-            <a:off x="609600" y="2174875"/>
-            <a:ext cx="5386917" cy="3951288"/>
+            <a:off x="457200" y="1631156"/>
+            <a:ext cx="4040188" cy="2963466"/>
           </a:xfrm>
         </p:spPr>
         <p:txBody>
@@ -1598,8 +1582,8 @@
         </p:nvSpPr>
         <p:spPr>
           <a:xfrm>
-            <a:off x="6193368" y="1535113"/>
-            <a:ext cx="5389033" cy="639762"/>
+            <a:off x="4645026" y="1151335"/>
+            <a:ext cx="4041775" cy="479822"/>
           </a:xfrm>
         </p:spPr>
         <p:txBody>
@@ -1663,8 +1647,8 @@
         </p:nvSpPr>
         <p:spPr>
           <a:xfrm>
-            <a:off x="6193368" y="2174875"/>
-            <a:ext cx="5389033" cy="3951288"/>
+            <a:off x="4645026" y="1631156"/>
+            <a:ext cx="4041775" cy="2963466"/>
           </a:xfrm>
         </p:spPr>
         <p:txBody>
@@ -1753,7 +1737,7 @@
           <a:p>
             <a:fld id="{1F098D7E-F949-4548-BBC1-4392F3CABD50}" type="datetimeFigureOut">
               <a:rPr lang="zh-TW" altLang="en-US" smtClean="0"/>
-              <a:t>2019/11/9</a:t>
+              <a:t>2019/10/26</a:t>
             </a:fld>
             <a:endParaRPr lang="zh-TW" altLang="en-US"/>
           </a:p>
@@ -1866,7 +1850,7 @@
           <a:p>
             <a:fld id="{1F098D7E-F949-4548-BBC1-4392F3CABD50}" type="datetimeFigureOut">
               <a:rPr lang="zh-TW" altLang="en-US" smtClean="0"/>
-              <a:t>2019/11/9</a:t>
+              <a:t>2019/10/26</a:t>
             </a:fld>
             <a:endParaRPr lang="zh-TW" altLang="en-US"/>
           </a:p>
@@ -1956,7 +1940,7 @@
           <a:p>
             <a:fld id="{1F098D7E-F949-4548-BBC1-4392F3CABD50}" type="datetimeFigureOut">
               <a:rPr lang="zh-TW" altLang="en-US" smtClean="0"/>
-              <a:t>2019/11/9</a:t>
+              <a:t>2019/10/26</a:t>
             </a:fld>
             <a:endParaRPr lang="zh-TW" altLang="en-US"/>
           </a:p>
@@ -2041,8 +2025,8 @@
         </p:nvSpPr>
         <p:spPr>
           <a:xfrm>
-            <a:off x="609601" y="273050"/>
-            <a:ext cx="4011084" cy="1162050"/>
+            <a:off x="457201" y="204787"/>
+            <a:ext cx="3008313" cy="871538"/>
           </a:xfrm>
         </p:spPr>
         <p:txBody>
@@ -2073,8 +2057,8 @@
         </p:nvSpPr>
         <p:spPr>
           <a:xfrm>
-            <a:off x="4766733" y="273051"/>
-            <a:ext cx="6815667" cy="5853113"/>
+            <a:off x="3575050" y="204788"/>
+            <a:ext cx="5111750" cy="4389835"/>
           </a:xfrm>
         </p:spPr>
         <p:txBody>
@@ -2158,8 +2142,8 @@
         </p:nvSpPr>
         <p:spPr>
           <a:xfrm>
-            <a:off x="609601" y="1435101"/>
-            <a:ext cx="4011084" cy="4691063"/>
+            <a:off x="457201" y="1076326"/>
+            <a:ext cx="3008313" cy="3518297"/>
           </a:xfrm>
         </p:spPr>
         <p:txBody>
@@ -2228,7 +2212,7 @@
           <a:p>
             <a:fld id="{1F098D7E-F949-4548-BBC1-4392F3CABD50}" type="datetimeFigureOut">
               <a:rPr lang="zh-TW" altLang="en-US" smtClean="0"/>
-              <a:t>2019/11/9</a:t>
+              <a:t>2019/10/26</a:t>
             </a:fld>
             <a:endParaRPr lang="zh-TW" altLang="en-US"/>
           </a:p>
@@ -2313,8 +2297,8 @@
         </p:nvSpPr>
         <p:spPr>
           <a:xfrm>
-            <a:off x="2389717" y="4800600"/>
-            <a:ext cx="7315200" cy="566738"/>
+            <a:off x="1792288" y="3600450"/>
+            <a:ext cx="5486400" cy="425054"/>
           </a:xfrm>
         </p:spPr>
         <p:txBody>
@@ -2345,8 +2329,8 @@
         </p:nvSpPr>
         <p:spPr>
           <a:xfrm>
-            <a:off x="2389717" y="612775"/>
-            <a:ext cx="7315200" cy="4114800"/>
+            <a:off x="1792288" y="459581"/>
+            <a:ext cx="5486400" cy="3086100"/>
           </a:xfrm>
         </p:spPr>
         <p:txBody>
@@ -2410,8 +2394,8 @@
         </p:nvSpPr>
         <p:spPr>
           <a:xfrm>
-            <a:off x="2389717" y="5367338"/>
-            <a:ext cx="7315200" cy="804862"/>
+            <a:off x="1792288" y="4025503"/>
+            <a:ext cx="5486400" cy="603647"/>
           </a:xfrm>
         </p:spPr>
         <p:txBody>
@@ -2480,7 +2464,7 @@
           <a:p>
             <a:fld id="{1F098D7E-F949-4548-BBC1-4392F3CABD50}" type="datetimeFigureOut">
               <a:rPr lang="zh-TW" altLang="en-US" smtClean="0"/>
-              <a:t>2019/11/9</a:t>
+              <a:t>2019/10/26</a:t>
             </a:fld>
             <a:endParaRPr lang="zh-TW" altLang="en-US"/>
           </a:p>
@@ -2575,8 +2559,8 @@
         </p:nvSpPr>
         <p:spPr>
           <a:xfrm>
-            <a:off x="609600" y="274638"/>
-            <a:ext cx="10972800" cy="1143000"/>
+            <a:off x="457200" y="205979"/>
+            <a:ext cx="8229600" cy="857250"/>
           </a:xfrm>
           <a:prstGeom prst="rect">
             <a:avLst/>
@@ -2608,8 +2592,8 @@
         </p:nvSpPr>
         <p:spPr>
           <a:xfrm>
-            <a:off x="609600" y="1600201"/>
-            <a:ext cx="10972800" cy="4525963"/>
+            <a:off x="457200" y="1200151"/>
+            <a:ext cx="8229600" cy="3394472"/>
           </a:xfrm>
           <a:prstGeom prst="rect">
             <a:avLst/>
@@ -2670,8 +2654,8 @@
         </p:nvSpPr>
         <p:spPr>
           <a:xfrm>
-            <a:off x="609600" y="6356351"/>
-            <a:ext cx="2844800" cy="365125"/>
+            <a:off x="457200" y="4767263"/>
+            <a:ext cx="2133600" cy="273844"/>
           </a:xfrm>
           <a:prstGeom prst="rect">
             <a:avLst/>
@@ -2693,7 +2677,7 @@
           <a:p>
             <a:fld id="{1F098D7E-F949-4548-BBC1-4392F3CABD50}" type="datetimeFigureOut">
               <a:rPr lang="zh-TW" altLang="en-US" smtClean="0"/>
-              <a:t>2019/11/9</a:t>
+              <a:t>2019/10/26</a:t>
             </a:fld>
             <a:endParaRPr lang="zh-TW" altLang="en-US"/>
           </a:p>
@@ -2711,8 +2695,8 @@
         </p:nvSpPr>
         <p:spPr>
           <a:xfrm>
-            <a:off x="4165600" y="6356351"/>
-            <a:ext cx="3860800" cy="365125"/>
+            <a:off x="3124200" y="4767263"/>
+            <a:ext cx="2895600" cy="273844"/>
           </a:xfrm>
           <a:prstGeom prst="rect">
             <a:avLst/>
@@ -2748,8 +2732,8 @@
         </p:nvSpPr>
         <p:spPr>
           <a:xfrm>
-            <a:off x="8737600" y="6356351"/>
-            <a:ext cx="2844800" cy="365125"/>
+            <a:off x="6553200" y="4767263"/>
+            <a:ext cx="2133600" cy="273844"/>
           </a:xfrm>
           <a:prstGeom prst="rect">
             <a:avLst/>
@@ -3075,11 +3059,13 @@
         </p:nvSpPr>
         <p:spPr/>
         <p:txBody>
-          <a:bodyPr/>
-          <a:lstStyle/>
-          <a:p>
-            <a:r>
-              <a:rPr lang="zh-CN" altLang="en-US" b="1" dirty="0" smtClean="0">
+          <a:bodyPr>
+            <a:normAutofit/>
+          </a:bodyPr>
+          <a:lstStyle/>
+          <a:p>
+            <a:r>
+              <a:rPr lang="zh-CN" altLang="en-US" sz="4000" b="1" dirty="0" smtClean="0">
                 <a:solidFill>
                   <a:srgbClr val="000066"/>
                 </a:solidFill>
@@ -3088,7 +3074,7 @@
               </a:rPr>
               <a:t>我們歡迎君王降臨</a:t>
             </a:r>
-            <a:endParaRPr lang="zh-TW" altLang="en-US" b="1" dirty="0">
+            <a:endParaRPr lang="zh-TW" altLang="en-US" sz="4000" b="1" dirty="0">
               <a:solidFill>
                 <a:srgbClr val="000066"/>
               </a:solidFill>
@@ -3119,7 +3105,7 @@
               <a:buNone/>
             </a:pPr>
             <a:r>
-              <a:rPr lang="zh-TW" altLang="en-US" sz="5400" b="1" dirty="0">
+              <a:rPr lang="zh-TW" altLang="en-US" sz="4800" b="1" dirty="0">
                 <a:solidFill>
                   <a:srgbClr val="000066"/>
                 </a:solidFill>
@@ -3129,7 +3115,7 @@
               <a:t>宇宙的</a:t>
             </a:r>
             <a:r>
-              <a:rPr lang="zh-TW" altLang="en-US" sz="5400" b="1" dirty="0">
+              <a:rPr lang="zh-TW" altLang="en-US" sz="4800" b="1" dirty="0" smtClean="0">
                 <a:solidFill>
                   <a:srgbClr val="000066"/>
                 </a:solidFill>
@@ -3138,7 +3124,7 @@
               </a:rPr>
               <a:t>中心  耶穌</a:t>
             </a:r>
-            <a:endParaRPr lang="en-US" altLang="zh-TW" sz="5400" b="1" dirty="0">
+            <a:endParaRPr lang="en-US" altLang="zh-TW" sz="4800" b="1" dirty="0" smtClean="0">
               <a:solidFill>
                 <a:srgbClr val="000066"/>
               </a:solidFill>
@@ -3151,7 +3137,7 @@
               <a:buNone/>
             </a:pPr>
             <a:r>
-              <a:rPr lang="zh-TW" altLang="en-US" sz="5400" b="1" dirty="0">
+              <a:rPr lang="zh-TW" altLang="en-US" sz="4800" b="1" dirty="0" smtClean="0">
                 <a:solidFill>
                   <a:srgbClr val="000066"/>
                 </a:solidFill>
@@ -3161,7 +3147,7 @@
               <a:t>世界</a:t>
             </a:r>
             <a:r>
-              <a:rPr lang="zh-TW" altLang="en-US" sz="5400" b="1" dirty="0">
+              <a:rPr lang="zh-TW" altLang="en-US" sz="4800" b="1" dirty="0">
                 <a:solidFill>
                   <a:srgbClr val="000066"/>
                 </a:solidFill>
@@ -3171,7 +3157,7 @@
               <a:t>的</a:t>
             </a:r>
             <a:r>
-              <a:rPr lang="zh-TW" altLang="en-US" sz="5400" b="1" dirty="0">
+              <a:rPr lang="zh-TW" altLang="en-US" sz="4800" b="1" dirty="0" smtClean="0">
                 <a:solidFill>
                   <a:srgbClr val="000066"/>
                 </a:solidFill>
@@ -3180,7 +3166,7 @@
               </a:rPr>
               <a:t>中心  耶穌</a:t>
             </a:r>
-            <a:endParaRPr lang="en-US" altLang="zh-TW" sz="5400" b="1" dirty="0">
+            <a:endParaRPr lang="en-US" altLang="zh-TW" sz="4800" b="1" dirty="0">
               <a:solidFill>
                 <a:srgbClr val="000066"/>
               </a:solidFill>
@@ -3193,7 +3179,7 @@
               <a:buNone/>
             </a:pPr>
             <a:r>
-              <a:rPr lang="zh-TW" altLang="en-US" sz="5400" b="1" dirty="0">
+              <a:rPr lang="zh-TW" altLang="en-US" sz="4800" b="1" dirty="0" smtClean="0">
                 <a:solidFill>
                   <a:srgbClr val="000066"/>
                 </a:solidFill>
@@ -3203,7 +3189,7 @@
               <a:t>萬物</a:t>
             </a:r>
             <a:r>
-              <a:rPr lang="zh-TW" altLang="en-US" sz="5400" b="1" dirty="0">
+              <a:rPr lang="zh-TW" altLang="en-US" sz="4800" b="1" dirty="0">
                 <a:solidFill>
                   <a:srgbClr val="000066"/>
                 </a:solidFill>
@@ -3213,7 +3199,7 @@
               <a:t>都本於</a:t>
             </a:r>
             <a:r>
-              <a:rPr lang="zh-TW" altLang="en-US" sz="5400" b="1" dirty="0" smtClean="0">
+              <a:rPr lang="zh-TW" altLang="en-US" sz="4800" b="1" dirty="0" smtClean="0">
                 <a:solidFill>
                   <a:srgbClr val="000066"/>
                 </a:solidFill>
@@ -3223,7 +3209,7 @@
               <a:t>你</a:t>
             </a:r>
             <a:r>
-              <a:rPr lang="en-US" altLang="zh-TW" sz="5400" b="1" dirty="0" smtClean="0">
+              <a:rPr lang="en-US" altLang="zh-TW" sz="4800" b="1" dirty="0">
                 <a:solidFill>
                   <a:srgbClr val="000066"/>
                 </a:solidFill>
@@ -3233,26 +3219,16 @@
               <a:t>  </a:t>
             </a:r>
             <a:r>
-              <a:rPr lang="zh-TW" altLang="en-US" sz="5400" b="1" dirty="0" smtClean="0">
+              <a:rPr lang="zh-TW" altLang="en-US" sz="4800" b="1" dirty="0" smtClean="0">
                 <a:solidFill>
                   <a:srgbClr val="000066"/>
                 </a:solidFill>
                 <a:latin typeface="微軟正黑體" pitchFamily="34" charset="-120"/>
                 <a:ea typeface="微軟正黑體" pitchFamily="34" charset="-120"/>
               </a:rPr>
-              <a:t>屬</a:t>
-            </a:r>
-            <a:r>
-              <a:rPr lang="zh-TW" altLang="en-US" sz="5400" b="1" dirty="0">
-                <a:solidFill>
-                  <a:srgbClr val="000066"/>
-                </a:solidFill>
-                <a:latin typeface="微軟正黑體" pitchFamily="34" charset="-120"/>
-                <a:ea typeface="微軟正黑體" pitchFamily="34" charset="-120"/>
-              </a:rPr>
-              <a:t>於你  歸於你</a:t>
-            </a:r>
-            <a:endParaRPr lang="en-US" altLang="zh-TW" sz="5400" b="1" dirty="0">
+              <a:t>屬於你  歸於你</a:t>
+            </a:r>
+            <a:endParaRPr lang="en-US" altLang="zh-TW" sz="4800" b="1" dirty="0" smtClean="0">
               <a:solidFill>
                 <a:srgbClr val="000066"/>
               </a:solidFill>
@@ -3265,7 +3241,7 @@
               <a:buNone/>
             </a:pPr>
             <a:r>
-              <a:rPr lang="zh-TW" altLang="en-US" sz="5400" b="1" dirty="0">
+              <a:rPr lang="zh-TW" altLang="en-US" sz="4800" b="1" dirty="0" smtClean="0">
                 <a:solidFill>
                   <a:srgbClr val="000066"/>
                 </a:solidFill>
@@ -3275,7 +3251,7 @@
               <a:t>你</a:t>
             </a:r>
             <a:r>
-              <a:rPr lang="zh-TW" altLang="en-US" sz="5400" b="1" dirty="0">
+              <a:rPr lang="zh-TW" altLang="en-US" sz="4800" b="1" dirty="0">
                 <a:solidFill>
                   <a:srgbClr val="000066"/>
                 </a:solidFill>
@@ -3324,11 +3300,13 @@
         </p:nvSpPr>
         <p:spPr/>
         <p:txBody>
-          <a:bodyPr/>
-          <a:lstStyle/>
-          <a:p>
-            <a:r>
-              <a:rPr lang="zh-CN" altLang="en-US" b="1" dirty="0" smtClean="0">
+          <a:bodyPr>
+            <a:normAutofit/>
+          </a:bodyPr>
+          <a:lstStyle/>
+          <a:p>
+            <a:r>
+              <a:rPr lang="zh-CN" altLang="en-US" sz="4000" b="1" dirty="0">
                 <a:solidFill>
                   <a:srgbClr val="000066"/>
                 </a:solidFill>
@@ -3337,7 +3315,7 @@
               </a:rPr>
               <a:t>我們歡迎君王降臨</a:t>
             </a:r>
-            <a:endParaRPr lang="zh-TW" altLang="en-US" b="1" dirty="0">
+            <a:endParaRPr lang="zh-TW" altLang="en-US" sz="4000" b="1" dirty="0">
               <a:solidFill>
                 <a:srgbClr val="000066"/>
               </a:solidFill>
@@ -3368,7 +3346,7 @@
               <a:buNone/>
             </a:pPr>
             <a:r>
-              <a:rPr lang="zh-TW" altLang="en-US" sz="5400" b="1" dirty="0">
+              <a:rPr lang="zh-TW" altLang="en-US" sz="4800" b="1" dirty="0">
                 <a:solidFill>
                   <a:srgbClr val="000066"/>
                 </a:solidFill>
@@ -3377,7 +3355,7 @@
               </a:rPr>
               <a:t>我們歡迎君王降臨</a:t>
             </a:r>
-            <a:endParaRPr lang="en-US" altLang="zh-TW" sz="5400" b="1" dirty="0">
+            <a:endParaRPr lang="en-US" altLang="zh-TW" sz="4800" b="1" dirty="0">
               <a:solidFill>
                 <a:srgbClr val="000066"/>
               </a:solidFill>
@@ -3390,7 +3368,7 @@
               <a:buNone/>
             </a:pPr>
             <a:r>
-              <a:rPr lang="zh-TW" altLang="en-US" sz="5400" b="1" dirty="0">
+              <a:rPr lang="zh-TW" altLang="en-US" sz="4800" b="1" dirty="0">
                 <a:solidFill>
                   <a:srgbClr val="000066"/>
                 </a:solidFill>
@@ -3399,7 +3377,7 @@
               </a:rPr>
               <a:t>渴望看見你的彰顯</a:t>
             </a:r>
-            <a:endParaRPr lang="en-US" altLang="zh-TW" sz="5400" b="1" dirty="0">
+            <a:endParaRPr lang="en-US" altLang="zh-TW" sz="4800" b="1" dirty="0">
               <a:solidFill>
                 <a:srgbClr val="000066"/>
               </a:solidFill>
@@ -3412,7 +3390,7 @@
               <a:buNone/>
             </a:pPr>
             <a:r>
-              <a:rPr lang="zh-TW" altLang="en-US" sz="5400" b="1" dirty="0">
+              <a:rPr lang="zh-TW" altLang="en-US" sz="4800" b="1" dirty="0">
                 <a:solidFill>
                   <a:srgbClr val="000066"/>
                 </a:solidFill>
@@ -3421,7 +3399,7 @@
               </a:rPr>
               <a:t>呼求你來翻轉震動這土地</a:t>
             </a:r>
-            <a:endParaRPr lang="en-US" altLang="zh-TW" sz="5400" b="1" dirty="0">
+            <a:endParaRPr lang="en-US" altLang="zh-TW" sz="4800" b="1" dirty="0">
               <a:solidFill>
                 <a:srgbClr val="000066"/>
               </a:solidFill>
@@ -3434,7 +3412,7 @@
               <a:buNone/>
             </a:pPr>
             <a:r>
-              <a:rPr lang="zh-TW" altLang="en-US" sz="5400" b="1" dirty="0">
+              <a:rPr lang="zh-TW" altLang="en-US" sz="4800" b="1" dirty="0">
                 <a:solidFill>
                   <a:srgbClr val="000066"/>
                 </a:solidFill>
@@ -3443,13 +3421,6 @@
               </a:rPr>
               <a:t>復興我們聖潔的熱情</a:t>
             </a:r>
-            <a:endParaRPr lang="zh-TW" altLang="en-US" sz="5400" b="1" dirty="0">
-              <a:solidFill>
-                <a:srgbClr val="000066"/>
-              </a:solidFill>
-              <a:latin typeface="微軟正黑體" pitchFamily="34" charset="-120"/>
-              <a:ea typeface="微軟正黑體" pitchFamily="34" charset="-120"/>
-            </a:endParaRPr>
           </a:p>
         </p:txBody>
       </p:sp>
@@ -3494,7 +3465,7 @@
           <a:lstStyle/>
           <a:p>
             <a:r>
-              <a:rPr lang="zh-CN" altLang="en-US" b="1" dirty="0" smtClean="0">
+              <a:rPr lang="zh-CN" altLang="en-US" sz="4000" b="1" dirty="0">
                 <a:solidFill>
                   <a:srgbClr val="000066"/>
                 </a:solidFill>
@@ -3503,7 +3474,7 @@
               </a:rPr>
               <a:t>我們歡迎君王降臨</a:t>
             </a:r>
-            <a:endParaRPr lang="zh-TW" altLang="en-US" b="1" dirty="0">
+            <a:endParaRPr lang="zh-TW" altLang="en-US" sz="4000" b="1" dirty="0">
               <a:solidFill>
                 <a:srgbClr val="000066"/>
               </a:solidFill>
@@ -3534,7 +3505,7 @@
               <a:buNone/>
             </a:pPr>
             <a:r>
-              <a:rPr lang="zh-TW" altLang="en-US" sz="5400" b="1" dirty="0">
+              <a:rPr lang="zh-TW" altLang="en-US" sz="4800" b="1" dirty="0">
                 <a:solidFill>
                   <a:srgbClr val="000066"/>
                 </a:solidFill>
@@ -3543,7 +3514,7 @@
               </a:rPr>
               <a:t>我們歡迎君王降臨</a:t>
             </a:r>
-            <a:endParaRPr lang="en-US" altLang="zh-TW" sz="5400" b="1" dirty="0">
+            <a:endParaRPr lang="en-US" altLang="zh-TW" sz="4800" b="1" dirty="0">
               <a:solidFill>
                 <a:srgbClr val="000066"/>
               </a:solidFill>
@@ -3556,7 +3527,7 @@
               <a:buNone/>
             </a:pPr>
             <a:r>
-              <a:rPr lang="zh-TW" altLang="en-US" sz="5400" b="1" dirty="0">
+              <a:rPr lang="zh-TW" altLang="en-US" sz="4800" b="1" dirty="0">
                 <a:solidFill>
                   <a:srgbClr val="000066"/>
                 </a:solidFill>
@@ -3565,7 +3536,7 @@
               </a:rPr>
               <a:t>同心高舉你聖潔的名</a:t>
             </a:r>
-            <a:endParaRPr lang="en-US" altLang="zh-TW" sz="5400" b="1" dirty="0">
+            <a:endParaRPr lang="en-US" altLang="zh-TW" sz="4800" b="1" dirty="0">
               <a:solidFill>
                 <a:srgbClr val="000066"/>
               </a:solidFill>
@@ -3578,7 +3549,7 @@
               <a:buNone/>
             </a:pPr>
             <a:r>
-              <a:rPr lang="zh-TW" altLang="en-US" sz="5400" b="1" dirty="0">
+              <a:rPr lang="zh-TW" altLang="en-US" sz="4800" b="1" dirty="0">
                 <a:solidFill>
                   <a:srgbClr val="000066"/>
                 </a:solidFill>
@@ -3587,7 +3558,7 @@
               </a:rPr>
               <a:t>呼求天窗打開  春雨不停息</a:t>
             </a:r>
-            <a:endParaRPr lang="en-US" altLang="zh-TW" sz="5400" b="1" dirty="0">
+            <a:endParaRPr lang="en-US" altLang="zh-TW" sz="4800" b="1" dirty="0">
               <a:solidFill>
                 <a:srgbClr val="000066"/>
               </a:solidFill>
@@ -3600,7 +3571,7 @@
               <a:buNone/>
             </a:pPr>
             <a:r>
-              <a:rPr lang="zh-TW" altLang="en-US" sz="5400" b="1" dirty="0">
+              <a:rPr lang="zh-TW" altLang="en-US" sz="4800" b="1" dirty="0">
                 <a:solidFill>
                   <a:srgbClr val="000066"/>
                 </a:solidFill>
@@ -3649,11 +3620,13 @@
         </p:nvSpPr>
         <p:spPr/>
         <p:txBody>
-          <a:bodyPr/>
-          <a:lstStyle/>
-          <a:p>
-            <a:r>
-              <a:rPr lang="zh-CN" altLang="en-US" b="1" dirty="0" smtClean="0">
+          <a:bodyPr>
+            <a:normAutofit/>
+          </a:bodyPr>
+          <a:lstStyle/>
+          <a:p>
+            <a:r>
+              <a:rPr lang="zh-CN" altLang="en-US" sz="4000" b="1" dirty="0">
                 <a:solidFill>
                   <a:srgbClr val="000066"/>
                 </a:solidFill>
@@ -3662,7 +3635,7 @@
               </a:rPr>
               <a:t>我們歡迎君王降臨</a:t>
             </a:r>
-            <a:endParaRPr lang="zh-TW" altLang="en-US" b="1" dirty="0">
+            <a:endParaRPr lang="zh-TW" altLang="en-US" sz="4000" b="1" dirty="0">
               <a:solidFill>
                 <a:srgbClr val="000066"/>
               </a:solidFill>
@@ -3693,7 +3666,7 @@
               <a:buNone/>
             </a:pPr>
             <a:r>
-              <a:rPr lang="zh-TW" altLang="en-US" sz="5400" b="1" dirty="0">
+              <a:rPr lang="zh-TW" altLang="en-US" sz="4800" b="1" dirty="0">
                 <a:solidFill>
                   <a:srgbClr val="000066"/>
                 </a:solidFill>
@@ -3702,7 +3675,7 @@
               </a:rPr>
               <a:t>大大張口  大大充滿</a:t>
             </a:r>
-            <a:endParaRPr lang="en-US" altLang="zh-TW" sz="5400" b="1" dirty="0">
+            <a:endParaRPr lang="en-US" altLang="zh-TW" sz="4800" b="1" dirty="0">
               <a:solidFill>
                 <a:srgbClr val="000066"/>
               </a:solidFill>
@@ -3715,7 +3688,7 @@
               <a:buNone/>
             </a:pPr>
             <a:r>
-              <a:rPr lang="zh-TW" altLang="en-US" sz="5400" b="1" dirty="0">
+              <a:rPr lang="zh-TW" altLang="en-US" sz="4800" b="1" dirty="0">
                 <a:solidFill>
                   <a:srgbClr val="000066"/>
                 </a:solidFill>
@@ -3724,7 +3697,7 @@
               </a:rPr>
               <a:t>恩膏如雨  澆灌這地</a:t>
             </a:r>
-            <a:endParaRPr lang="en-US" altLang="zh-TW" sz="5400" b="1" dirty="0">
+            <a:endParaRPr lang="en-US" altLang="zh-TW" sz="4800" b="1" dirty="0">
               <a:solidFill>
                 <a:srgbClr val="000066"/>
               </a:solidFill>
@@ -3737,7 +3710,7 @@
               <a:buNone/>
             </a:pPr>
             <a:r>
-              <a:rPr lang="zh-TW" altLang="en-US" sz="5400" b="1" dirty="0">
+              <a:rPr lang="zh-TW" altLang="en-US" sz="4800" b="1" dirty="0">
                 <a:solidFill>
                   <a:srgbClr val="000066"/>
                 </a:solidFill>
@@ -3746,7 +3719,7 @@
               </a:rPr>
               <a:t>眼未看見  耳未聽見</a:t>
             </a:r>
-            <a:endParaRPr lang="en-US" altLang="zh-TW" sz="5400" b="1" dirty="0">
+            <a:endParaRPr lang="en-US" altLang="zh-TW" sz="4800" b="1" dirty="0">
               <a:solidFill>
                 <a:srgbClr val="000066"/>
               </a:solidFill>
@@ -3759,7 +3732,7 @@
               <a:buNone/>
             </a:pPr>
             <a:r>
-              <a:rPr lang="zh-TW" altLang="en-US" sz="5400" b="1" dirty="0">
+              <a:rPr lang="zh-TW" altLang="en-US" sz="4800" b="1" dirty="0">
                 <a:solidFill>
                   <a:srgbClr val="000066"/>
                 </a:solidFill>

--- a/我們歡迎君王降臨(崇拜版).pptx
+++ b/我們歡迎君王降臨(崇拜版).pptx
@@ -5,10 +5,15 @@
     <p:sldMasterId id="2147483660" r:id="rId1"/>
   </p:sldMasterIdLst>
   <p:sldIdLst>
-    <p:sldId id="256" r:id="rId2"/>
-    <p:sldId id="257" r:id="rId3"/>
-    <p:sldId id="258" r:id="rId4"/>
-    <p:sldId id="259" r:id="rId5"/>
+    <p:sldId id="260" r:id="rId2"/>
+    <p:sldId id="261" r:id="rId3"/>
+    <p:sldId id="262" r:id="rId4"/>
+    <p:sldId id="263" r:id="rId5"/>
+    <p:sldId id="264" r:id="rId6"/>
+    <p:sldId id="265" r:id="rId7"/>
+    <p:sldId id="266" r:id="rId8"/>
+    <p:sldId id="267" r:id="rId9"/>
+    <p:sldId id="268" r:id="rId10"/>
   </p:sldIdLst>
   <p:sldSz cx="9144000" cy="5143500" type="screen16x9"/>
   <p:notesSz cx="6858000" cy="9144000"/>
@@ -107,6 +112,22 @@
       </a:defRPr>
     </a:lvl9pPr>
   </p:defaultTextStyle>
+  <p:extLst>
+    <p:ext uri="{EFAFB233-063F-42B5-8137-9DF3F51BA10A}">
+      <p15:sldGuideLst xmlns:p15="http://schemas.microsoft.com/office/powerpoint/2012/main">
+        <p15:guide id="1" orient="horz" pos="1620">
+          <p15:clr>
+            <a:srgbClr val="A4A3A4"/>
+          </p15:clr>
+        </p15:guide>
+        <p15:guide id="2" pos="2880">
+          <p15:clr>
+            <a:srgbClr val="A4A3A4"/>
+          </p15:clr>
+        </p15:guide>
+      </p15:sldGuideLst>
+    </p:ext>
+  </p:extLst>
 </p:presentation>
 </file>
 
@@ -291,7 +312,7 @@
           <a:p>
             <a:fld id="{1F098D7E-F949-4548-BBC1-4392F3CABD50}" type="datetimeFigureOut">
               <a:rPr lang="zh-TW" altLang="en-US" smtClean="0"/>
-              <a:t>2019/10/26</a:t>
+              <a:t>2022/12/3</a:t>
             </a:fld>
             <a:endParaRPr lang="zh-TW" altLang="en-US"/>
           </a:p>
@@ -456,7 +477,7 @@
           <a:p>
             <a:fld id="{1F098D7E-F949-4548-BBC1-4392F3CABD50}" type="datetimeFigureOut">
               <a:rPr lang="zh-TW" altLang="en-US" smtClean="0"/>
-              <a:t>2019/10/26</a:t>
+              <a:t>2022/12/3</a:t>
             </a:fld>
             <a:endParaRPr lang="zh-TW" altLang="en-US"/>
           </a:p>
@@ -631,7 +652,7 @@
           <a:p>
             <a:fld id="{1F098D7E-F949-4548-BBC1-4392F3CABD50}" type="datetimeFigureOut">
               <a:rPr lang="zh-TW" altLang="en-US" smtClean="0"/>
-              <a:t>2019/10/26</a:t>
+              <a:t>2022/12/3</a:t>
             </a:fld>
             <a:endParaRPr lang="zh-TW" altLang="en-US"/>
           </a:p>
@@ -796,7 +817,7 @@
           <a:p>
             <a:fld id="{1F098D7E-F949-4548-BBC1-4392F3CABD50}" type="datetimeFigureOut">
               <a:rPr lang="zh-TW" altLang="en-US" smtClean="0"/>
-              <a:t>2019/10/26</a:t>
+              <a:t>2022/12/3</a:t>
             </a:fld>
             <a:endParaRPr lang="zh-TW" altLang="en-US"/>
           </a:p>
@@ -1037,7 +1058,7 @@
           <a:p>
             <a:fld id="{1F098D7E-F949-4548-BBC1-4392F3CABD50}" type="datetimeFigureOut">
               <a:rPr lang="zh-TW" altLang="en-US" smtClean="0"/>
-              <a:t>2019/10/26</a:t>
+              <a:t>2022/12/3</a:t>
             </a:fld>
             <a:endParaRPr lang="zh-TW" altLang="en-US"/>
           </a:p>
@@ -1320,7 +1341,7 @@
           <a:p>
             <a:fld id="{1F098D7E-F949-4548-BBC1-4392F3CABD50}" type="datetimeFigureOut">
               <a:rPr lang="zh-TW" altLang="en-US" smtClean="0"/>
-              <a:t>2019/10/26</a:t>
+              <a:t>2022/12/3</a:t>
             </a:fld>
             <a:endParaRPr lang="zh-TW" altLang="en-US"/>
           </a:p>
@@ -1737,7 +1758,7 @@
           <a:p>
             <a:fld id="{1F098D7E-F949-4548-BBC1-4392F3CABD50}" type="datetimeFigureOut">
               <a:rPr lang="zh-TW" altLang="en-US" smtClean="0"/>
-              <a:t>2019/10/26</a:t>
+              <a:t>2022/12/3</a:t>
             </a:fld>
             <a:endParaRPr lang="zh-TW" altLang="en-US"/>
           </a:p>
@@ -1850,7 +1871,7 @@
           <a:p>
             <a:fld id="{1F098D7E-F949-4548-BBC1-4392F3CABD50}" type="datetimeFigureOut">
               <a:rPr lang="zh-TW" altLang="en-US" smtClean="0"/>
-              <a:t>2019/10/26</a:t>
+              <a:t>2022/12/3</a:t>
             </a:fld>
             <a:endParaRPr lang="zh-TW" altLang="en-US"/>
           </a:p>
@@ -1940,7 +1961,7 @@
           <a:p>
             <a:fld id="{1F098D7E-F949-4548-BBC1-4392F3CABD50}" type="datetimeFigureOut">
               <a:rPr lang="zh-TW" altLang="en-US" smtClean="0"/>
-              <a:t>2019/10/26</a:t>
+              <a:t>2022/12/3</a:t>
             </a:fld>
             <a:endParaRPr lang="zh-TW" altLang="en-US"/>
           </a:p>
@@ -2212,7 +2233,7 @@
           <a:p>
             <a:fld id="{1F098D7E-F949-4548-BBC1-4392F3CABD50}" type="datetimeFigureOut">
               <a:rPr lang="zh-TW" altLang="en-US" smtClean="0"/>
-              <a:t>2019/10/26</a:t>
+              <a:t>2022/12/3</a:t>
             </a:fld>
             <a:endParaRPr lang="zh-TW" altLang="en-US"/>
           </a:p>
@@ -2464,7 +2485,7 @@
           <a:p>
             <a:fld id="{1F098D7E-F949-4548-BBC1-4392F3CABD50}" type="datetimeFigureOut">
               <a:rPr lang="zh-TW" altLang="en-US" smtClean="0"/>
-              <a:t>2019/10/26</a:t>
+              <a:t>2022/12/3</a:t>
             </a:fld>
             <a:endParaRPr lang="zh-TW" altLang="en-US"/>
           </a:p>
@@ -2677,7 +2698,7 @@
           <a:p>
             <a:fld id="{1F098D7E-F949-4548-BBC1-4392F3CABD50}" type="datetimeFigureOut">
               <a:rPr lang="zh-TW" altLang="en-US" smtClean="0"/>
-              <a:t>2019/10/26</a:t>
+              <a:t>2022/12/3</a:t>
             </a:fld>
             <a:endParaRPr lang="zh-TW" altLang="en-US"/>
           </a:p>
@@ -3057,213 +3078,75 @@
             <p:ph type="title"/>
           </p:nvPr>
         </p:nvSpPr>
-        <p:spPr/>
+        <p:spPr>
+          <a:xfrm>
+            <a:off x="0" y="1995686"/>
+            <a:ext cx="9144000" cy="857250"/>
+          </a:xfrm>
+        </p:spPr>
         <p:txBody>
           <a:bodyPr>
-            <a:normAutofit/>
+            <a:noAutofit/>
           </a:bodyPr>
           <a:lstStyle/>
           <a:p>
             <a:r>
-              <a:rPr lang="zh-CN" altLang="en-US" sz="4000" b="1" dirty="0" smtClean="0">
-                <a:solidFill>
-                  <a:srgbClr val="000066"/>
-                </a:solidFill>
+              <a:rPr lang="zh-CN" altLang="en-US" sz="5400" b="1" i="1" dirty="0" smtClean="0">
+                <a:solidFill>
+                  <a:srgbClr val="000066"/>
+                </a:solidFill>
+                <a:effectLst>
+                  <a:outerShdw blurRad="38100" dist="38100" dir="2700000" algn="tl">
+                    <a:srgbClr val="000000">
+                      <a:alpha val="43137"/>
+                    </a:srgbClr>
+                  </a:outerShdw>
+                </a:effectLst>
                 <a:latin typeface="微軟正黑體" pitchFamily="34" charset="-120"/>
                 <a:ea typeface="微軟正黑體" pitchFamily="34" charset="-120"/>
               </a:rPr>
-              <a:t>我們歡迎君王降臨</a:t>
-            </a:r>
-            <a:endParaRPr lang="zh-TW" altLang="en-US" sz="4000" b="1" dirty="0">
+              <a:t>我</a:t>
+            </a:r>
+            <a:r>
+              <a:rPr lang="zh-CN" altLang="en-US" sz="5400" b="1" i="1" dirty="0">
+                <a:solidFill>
+                  <a:srgbClr val="000066"/>
+                </a:solidFill>
+                <a:effectLst>
+                  <a:outerShdw blurRad="38100" dist="38100" dir="2700000" algn="tl">
+                    <a:srgbClr val="000000">
+                      <a:alpha val="43137"/>
+                    </a:srgbClr>
+                  </a:outerShdw>
+                </a:effectLst>
+                <a:latin typeface="微軟正黑體" pitchFamily="34" charset="-120"/>
+                <a:ea typeface="微軟正黑體" pitchFamily="34" charset="-120"/>
+              </a:rPr>
+              <a:t>們歡迎君王降臨</a:t>
+            </a:r>
+            <a:endParaRPr lang="zh-TW" altLang="en-US" sz="5400" b="1" i="1" dirty="0">
               <a:solidFill>
                 <a:srgbClr val="000066"/>
               </a:solidFill>
+              <a:effectLst>
+                <a:outerShdw blurRad="38100" dist="38100" dir="2700000" algn="tl">
+                  <a:srgbClr val="000000">
+                    <a:alpha val="43137"/>
+                  </a:srgbClr>
+                </a:outerShdw>
+              </a:effectLst>
               <a:latin typeface="微軟正黑體" pitchFamily="34" charset="-120"/>
               <a:ea typeface="微軟正黑體" pitchFamily="34" charset="-120"/>
             </a:endParaRPr>
           </a:p>
         </p:txBody>
       </p:sp>
-      <p:sp>
-        <p:nvSpPr>
-          <p:cNvPr id="5" name="內容版面配置區 4"/>
-          <p:cNvSpPr>
-            <a:spLocks noGrp="1"/>
-          </p:cNvSpPr>
-          <p:nvPr>
-            <p:ph idx="1"/>
-          </p:nvPr>
-        </p:nvSpPr>
-        <p:spPr/>
-        <p:txBody>
-          <a:bodyPr>
-            <a:noAutofit/>
-          </a:bodyPr>
-          <a:lstStyle/>
-          <a:p>
-            <a:pPr algn="ctr">
-              <a:buNone/>
-            </a:pPr>
-            <a:r>
-              <a:rPr lang="zh-TW" altLang="en-US" sz="4800" b="1" dirty="0">
-                <a:solidFill>
-                  <a:srgbClr val="000066"/>
-                </a:solidFill>
-                <a:latin typeface="微軟正黑體" pitchFamily="34" charset="-120"/>
-                <a:ea typeface="微軟正黑體" pitchFamily="34" charset="-120"/>
-              </a:rPr>
-              <a:t>宇宙的</a:t>
-            </a:r>
-            <a:r>
-              <a:rPr lang="zh-TW" altLang="en-US" sz="4800" b="1" dirty="0" smtClean="0">
-                <a:solidFill>
-                  <a:srgbClr val="000066"/>
-                </a:solidFill>
-                <a:latin typeface="微軟正黑體" pitchFamily="34" charset="-120"/>
-                <a:ea typeface="微軟正黑體" pitchFamily="34" charset="-120"/>
-              </a:rPr>
-              <a:t>中心  耶穌</a:t>
-            </a:r>
-            <a:endParaRPr lang="en-US" altLang="zh-TW" sz="4800" b="1" dirty="0" smtClean="0">
-              <a:solidFill>
-                <a:srgbClr val="000066"/>
-              </a:solidFill>
-              <a:latin typeface="微軟正黑體" pitchFamily="34" charset="-120"/>
-              <a:ea typeface="微軟正黑體" pitchFamily="34" charset="-120"/>
-            </a:endParaRPr>
-          </a:p>
-          <a:p>
-            <a:pPr algn="ctr">
-              <a:buNone/>
-            </a:pPr>
-            <a:r>
-              <a:rPr lang="zh-TW" altLang="en-US" sz="4800" b="1" dirty="0" smtClean="0">
-                <a:solidFill>
-                  <a:srgbClr val="000066"/>
-                </a:solidFill>
-                <a:latin typeface="微軟正黑體" pitchFamily="34" charset="-120"/>
-                <a:ea typeface="微軟正黑體" pitchFamily="34" charset="-120"/>
-              </a:rPr>
-              <a:t>世界</a:t>
-            </a:r>
-            <a:r>
-              <a:rPr lang="zh-TW" altLang="en-US" sz="4800" b="1" dirty="0">
-                <a:solidFill>
-                  <a:srgbClr val="000066"/>
-                </a:solidFill>
-                <a:latin typeface="微軟正黑體" pitchFamily="34" charset="-120"/>
-                <a:ea typeface="微軟正黑體" pitchFamily="34" charset="-120"/>
-              </a:rPr>
-              <a:t>的</a:t>
-            </a:r>
-            <a:r>
-              <a:rPr lang="zh-TW" altLang="en-US" sz="4800" b="1" dirty="0" smtClean="0">
-                <a:solidFill>
-                  <a:srgbClr val="000066"/>
-                </a:solidFill>
-                <a:latin typeface="微軟正黑體" pitchFamily="34" charset="-120"/>
-                <a:ea typeface="微軟正黑體" pitchFamily="34" charset="-120"/>
-              </a:rPr>
-              <a:t>中心  耶穌</a:t>
-            </a:r>
-            <a:endParaRPr lang="en-US" altLang="zh-TW" sz="4800" b="1" dirty="0">
-              <a:solidFill>
-                <a:srgbClr val="000066"/>
-              </a:solidFill>
-              <a:latin typeface="微軟正黑體" pitchFamily="34" charset="-120"/>
-              <a:ea typeface="微軟正黑體" pitchFamily="34" charset="-120"/>
-            </a:endParaRPr>
-          </a:p>
-          <a:p>
-            <a:pPr algn="ctr">
-              <a:buNone/>
-            </a:pPr>
-            <a:r>
-              <a:rPr lang="zh-TW" altLang="en-US" sz="4800" b="1" dirty="0" smtClean="0">
-                <a:solidFill>
-                  <a:srgbClr val="000066"/>
-                </a:solidFill>
-                <a:latin typeface="微軟正黑體" pitchFamily="34" charset="-120"/>
-                <a:ea typeface="微軟正黑體" pitchFamily="34" charset="-120"/>
-              </a:rPr>
-              <a:t>萬物</a:t>
-            </a:r>
-            <a:r>
-              <a:rPr lang="zh-TW" altLang="en-US" sz="4800" b="1" dirty="0">
-                <a:solidFill>
-                  <a:srgbClr val="000066"/>
-                </a:solidFill>
-                <a:latin typeface="微軟正黑體" pitchFamily="34" charset="-120"/>
-                <a:ea typeface="微軟正黑體" pitchFamily="34" charset="-120"/>
-              </a:rPr>
-              <a:t>都本於</a:t>
-            </a:r>
-            <a:r>
-              <a:rPr lang="zh-TW" altLang="en-US" sz="4800" b="1" dirty="0" smtClean="0">
-                <a:solidFill>
-                  <a:srgbClr val="000066"/>
-                </a:solidFill>
-                <a:latin typeface="微軟正黑體" pitchFamily="34" charset="-120"/>
-                <a:ea typeface="微軟正黑體" pitchFamily="34" charset="-120"/>
-              </a:rPr>
-              <a:t>你</a:t>
-            </a:r>
-            <a:r>
-              <a:rPr lang="en-US" altLang="zh-TW" sz="4800" b="1" dirty="0">
-                <a:solidFill>
-                  <a:srgbClr val="000066"/>
-                </a:solidFill>
-                <a:latin typeface="微軟正黑體" pitchFamily="34" charset="-120"/>
-                <a:ea typeface="微軟正黑體" pitchFamily="34" charset="-120"/>
-              </a:rPr>
-              <a:t>  </a:t>
-            </a:r>
-            <a:r>
-              <a:rPr lang="zh-TW" altLang="en-US" sz="4800" b="1" dirty="0" smtClean="0">
-                <a:solidFill>
-                  <a:srgbClr val="000066"/>
-                </a:solidFill>
-                <a:latin typeface="微軟正黑體" pitchFamily="34" charset="-120"/>
-                <a:ea typeface="微軟正黑體" pitchFamily="34" charset="-120"/>
-              </a:rPr>
-              <a:t>屬於你  歸於你</a:t>
-            </a:r>
-            <a:endParaRPr lang="en-US" altLang="zh-TW" sz="4800" b="1" dirty="0" smtClean="0">
-              <a:solidFill>
-                <a:srgbClr val="000066"/>
-              </a:solidFill>
-              <a:latin typeface="微軟正黑體" pitchFamily="34" charset="-120"/>
-              <a:ea typeface="微軟正黑體" pitchFamily="34" charset="-120"/>
-            </a:endParaRPr>
-          </a:p>
-          <a:p>
-            <a:pPr algn="ctr">
-              <a:buNone/>
-            </a:pPr>
-            <a:r>
-              <a:rPr lang="zh-TW" altLang="en-US" sz="4800" b="1" dirty="0" smtClean="0">
-                <a:solidFill>
-                  <a:srgbClr val="000066"/>
-                </a:solidFill>
-                <a:latin typeface="微軟正黑體" pitchFamily="34" charset="-120"/>
-                <a:ea typeface="微軟正黑體" pitchFamily="34" charset="-120"/>
-              </a:rPr>
-              <a:t>你</a:t>
-            </a:r>
-            <a:r>
-              <a:rPr lang="zh-TW" altLang="en-US" sz="4800" b="1" dirty="0">
-                <a:solidFill>
-                  <a:srgbClr val="000066"/>
-                </a:solidFill>
-                <a:latin typeface="微軟正黑體" pitchFamily="34" charset="-120"/>
-                <a:ea typeface="微軟正黑體" pitchFamily="34" charset="-120"/>
-              </a:rPr>
-              <a:t>是榮耀君王</a:t>
-            </a:r>
-          </a:p>
-        </p:txBody>
-      </p:sp>
     </p:spTree>
+    <p:extLst>
+      <p:ext uri="{BB962C8B-B14F-4D97-AF65-F5344CB8AC3E}">
+        <p14:creationId xmlns:p14="http://schemas.microsoft.com/office/powerpoint/2010/main" val="3451604276"/>
+      </p:ext>
+    </p:extLst>
   </p:cSld>
   <p:clrMapOvr>
     <a:masterClrMapping/>
@@ -3290,70 +3173,38 @@
       </p:grpSpPr>
       <p:sp>
         <p:nvSpPr>
-          <p:cNvPr id="4" name="標題 3"/>
-          <p:cNvSpPr>
-            <a:spLocks noGrp="1"/>
-          </p:cNvSpPr>
-          <p:nvPr>
-            <p:ph type="title"/>
-          </p:nvPr>
-        </p:nvSpPr>
-        <p:spPr/>
-        <p:txBody>
-          <a:bodyPr>
+          <p:cNvPr id="5" name="內容版面配置區 4"/>
+          <p:cNvSpPr>
+            <a:spLocks noGrp="1"/>
+          </p:cNvSpPr>
+          <p:nvPr>
+            <p:ph idx="1"/>
+          </p:nvPr>
+        </p:nvSpPr>
+        <p:spPr>
+          <a:xfrm>
+            <a:off x="0" y="1563638"/>
+            <a:ext cx="9144000" cy="1803647"/>
+          </a:xfrm>
+        </p:spPr>
+        <p:txBody>
+          <a:bodyPr anchor="ctr">
             <a:normAutofit/>
           </a:bodyPr>
           <a:lstStyle/>
           <a:p>
-            <a:r>
-              <a:rPr lang="zh-CN" altLang="en-US" sz="4000" b="1" dirty="0">
+            <a:pPr algn="ctr">
+              <a:buNone/>
+            </a:pPr>
+            <a:r>
+              <a:rPr lang="zh-TW" altLang="en-US" sz="4800" b="1" dirty="0">
                 <a:solidFill>
                   <a:srgbClr val="000066"/>
                 </a:solidFill>
                 <a:latin typeface="微軟正黑體" pitchFamily="34" charset="-120"/>
                 <a:ea typeface="微軟正黑體" pitchFamily="34" charset="-120"/>
               </a:rPr>
-              <a:t>我們歡迎君王降臨</a:t>
-            </a:r>
-            <a:endParaRPr lang="zh-TW" altLang="en-US" sz="4000" b="1" dirty="0">
-              <a:solidFill>
-                <a:srgbClr val="000066"/>
-              </a:solidFill>
-              <a:latin typeface="微軟正黑體" pitchFamily="34" charset="-120"/>
-              <a:ea typeface="微軟正黑體" pitchFamily="34" charset="-120"/>
-            </a:endParaRPr>
-          </a:p>
-        </p:txBody>
-      </p:sp>
-      <p:sp>
-        <p:nvSpPr>
-          <p:cNvPr id="5" name="內容版面配置區 4"/>
-          <p:cNvSpPr>
-            <a:spLocks noGrp="1"/>
-          </p:cNvSpPr>
-          <p:nvPr>
-            <p:ph idx="1"/>
-          </p:nvPr>
-        </p:nvSpPr>
-        <p:spPr/>
-        <p:txBody>
-          <a:bodyPr>
-            <a:noAutofit/>
-          </a:bodyPr>
-          <a:lstStyle/>
-          <a:p>
-            <a:pPr algn="ctr">
-              <a:buNone/>
-            </a:pPr>
-            <a:r>
-              <a:rPr lang="zh-TW" altLang="en-US" sz="4800" b="1" dirty="0">
-                <a:solidFill>
-                  <a:srgbClr val="000066"/>
-                </a:solidFill>
-                <a:latin typeface="微軟正黑體" pitchFamily="34" charset="-120"/>
-                <a:ea typeface="微軟正黑體" pitchFamily="34" charset="-120"/>
-              </a:rPr>
-              <a:t>我們歡迎君王降臨</a:t>
+              <a:t>宇宙的中心  耶穌</a:t>
             </a:r>
             <a:endParaRPr lang="en-US" altLang="zh-TW" sz="4800" b="1" dirty="0">
               <a:solidFill>
@@ -3375,7 +3226,7 @@
                 <a:latin typeface="微軟正黑體" pitchFamily="34" charset="-120"/>
                 <a:ea typeface="微軟正黑體" pitchFamily="34" charset="-120"/>
               </a:rPr>
-              <a:t>渴望看見你的彰顯</a:t>
+              <a:t>世界的中心  耶穌</a:t>
             </a:r>
             <a:endParaRPr lang="en-US" altLang="zh-TW" sz="4800" b="1" dirty="0">
               <a:solidFill>
@@ -3385,46 +3236,76 @@
               <a:ea typeface="微軟正黑體" pitchFamily="34" charset="-120"/>
             </a:endParaRPr>
           </a:p>
-          <a:p>
-            <a:pPr algn="ctr">
-              <a:buNone/>
-            </a:pPr>
-            <a:r>
-              <a:rPr lang="zh-TW" altLang="en-US" sz="4800" b="1" dirty="0">
-                <a:solidFill>
-                  <a:srgbClr val="000066"/>
-                </a:solidFill>
-                <a:latin typeface="微軟正黑體" pitchFamily="34" charset="-120"/>
-                <a:ea typeface="微軟正黑體" pitchFamily="34" charset="-120"/>
-              </a:rPr>
-              <a:t>呼求你來翻轉震動這土地</a:t>
-            </a:r>
-            <a:endParaRPr lang="en-US" altLang="zh-TW" sz="4800" b="1" dirty="0">
+        </p:txBody>
+      </p:sp>
+      <p:sp>
+        <p:nvSpPr>
+          <p:cNvPr id="3" name="TextBox 2"/>
+          <p:cNvSpPr txBox="1"/>
+          <p:nvPr/>
+        </p:nvSpPr>
+        <p:spPr>
+          <a:xfrm>
+            <a:off x="0" y="3867894"/>
+            <a:ext cx="9144000" cy="584775"/>
+          </a:xfrm>
+          <a:prstGeom prst="rect">
+            <a:avLst/>
+          </a:prstGeom>
+          <a:noFill/>
+        </p:spPr>
+        <p:txBody>
+          <a:bodyPr wrap="square" rtlCol="0">
+            <a:spAutoFit/>
+          </a:bodyPr>
+          <a:lstStyle/>
+          <a:p>
+            <a:pPr algn="ctr"/>
+            <a:r>
+              <a:rPr lang="en-US" sz="3200" b="1" dirty="0" smtClean="0">
+                <a:solidFill>
+                  <a:srgbClr val="000066"/>
+                </a:solidFill>
+                <a:latin typeface="Microsoft JhengHei" panose="020B0604030504040204" pitchFamily="34" charset="-120"/>
+                <a:ea typeface="Microsoft JhengHei" panose="020B0604030504040204" pitchFamily="34" charset="-120"/>
+              </a:rPr>
+              <a:t>( </a:t>
+            </a:r>
+            <a:r>
+              <a:rPr lang="zh-CN" altLang="en-US" sz="3200" b="1" dirty="0" smtClean="0">
+                <a:solidFill>
+                  <a:srgbClr val="000066"/>
+                </a:solidFill>
+                <a:latin typeface="Microsoft JhengHei" panose="020B0604030504040204" pitchFamily="34" charset="-120"/>
+                <a:ea typeface="Microsoft JhengHei" panose="020B0604030504040204" pitchFamily="34" charset="-120"/>
+              </a:rPr>
+              <a:t>正</a:t>
+            </a:r>
+            <a:r>
+              <a:rPr lang="en-US" sz="3200" b="1" dirty="0" smtClean="0">
+                <a:solidFill>
+                  <a:srgbClr val="000066"/>
+                </a:solidFill>
+                <a:latin typeface="Microsoft JhengHei" panose="020B0604030504040204" pitchFamily="34" charset="-120"/>
+                <a:ea typeface="Microsoft JhengHei" panose="020B0604030504040204" pitchFamily="34" charset="-120"/>
+              </a:rPr>
+              <a:t> )</a:t>
+            </a:r>
+            <a:endParaRPr lang="vi-VN" sz="3200" b="1" dirty="0">
               <a:solidFill>
                 <a:srgbClr val="000066"/>
               </a:solidFill>
-              <a:latin typeface="微軟正黑體" pitchFamily="34" charset="-120"/>
-              <a:ea typeface="微軟正黑體" pitchFamily="34" charset="-120"/>
+              <a:ea typeface="Microsoft JhengHei" panose="020B0604030504040204" pitchFamily="34" charset="-120"/>
             </a:endParaRPr>
           </a:p>
-          <a:p>
-            <a:pPr algn="ctr">
-              <a:buNone/>
-            </a:pPr>
-            <a:r>
-              <a:rPr lang="zh-TW" altLang="en-US" sz="4800" b="1" dirty="0">
-                <a:solidFill>
-                  <a:srgbClr val="000066"/>
-                </a:solidFill>
-                <a:latin typeface="微軟正黑體" pitchFamily="34" charset="-120"/>
-                <a:ea typeface="微軟正黑體" pitchFamily="34" charset="-120"/>
-              </a:rPr>
-              <a:t>復興我們聖潔的熱情</a:t>
-            </a:r>
-          </a:p>
         </p:txBody>
       </p:sp>
     </p:spTree>
+    <p:extLst>
+      <p:ext uri="{BB962C8B-B14F-4D97-AF65-F5344CB8AC3E}">
+        <p14:creationId xmlns:p14="http://schemas.microsoft.com/office/powerpoint/2010/main" val="1396213728"/>
+      </p:ext>
+    </p:extLst>
   </p:cSld>
   <p:clrMapOvr>
     <a:masterClrMapping/>
@@ -3451,68 +3332,118 @@
       </p:grpSpPr>
       <p:sp>
         <p:nvSpPr>
-          <p:cNvPr id="4" name="標題 3"/>
-          <p:cNvSpPr>
-            <a:spLocks noGrp="1"/>
-          </p:cNvSpPr>
-          <p:nvPr>
-            <p:ph type="title"/>
-          </p:nvPr>
-        </p:nvSpPr>
-        <p:spPr/>
-        <p:txBody>
-          <a:bodyPr/>
-          <a:lstStyle/>
-          <a:p>
-            <a:r>
-              <a:rPr lang="zh-CN" altLang="en-US" sz="4000" b="1" dirty="0">
+          <p:cNvPr id="5" name="內容版面配置區 4"/>
+          <p:cNvSpPr>
+            <a:spLocks noGrp="1"/>
+          </p:cNvSpPr>
+          <p:nvPr>
+            <p:ph idx="1"/>
+          </p:nvPr>
+        </p:nvSpPr>
+        <p:spPr>
+          <a:xfrm>
+            <a:off x="0" y="1563638"/>
+            <a:ext cx="9144000" cy="1803647"/>
+          </a:xfrm>
+        </p:spPr>
+        <p:txBody>
+          <a:bodyPr anchor="ctr">
+            <a:normAutofit/>
+          </a:bodyPr>
+          <a:lstStyle/>
+          <a:p>
+            <a:pPr algn="ctr">
+              <a:buNone/>
+            </a:pPr>
+            <a:r>
+              <a:rPr lang="zh-TW" altLang="en-US" sz="4800" b="1" dirty="0">
                 <a:solidFill>
                   <a:srgbClr val="000066"/>
                 </a:solidFill>
                 <a:latin typeface="微軟正黑體" pitchFamily="34" charset="-120"/>
                 <a:ea typeface="微軟正黑體" pitchFamily="34" charset="-120"/>
               </a:rPr>
-              <a:t>我們歡迎君王降臨</a:t>
-            </a:r>
-            <a:endParaRPr lang="zh-TW" altLang="en-US" sz="4000" b="1" dirty="0">
-              <a:solidFill>
-                <a:srgbClr val="000066"/>
-              </a:solidFill>
-              <a:latin typeface="微軟正黑體" pitchFamily="34" charset="-120"/>
-              <a:ea typeface="微軟正黑體" pitchFamily="34" charset="-120"/>
-            </a:endParaRPr>
-          </a:p>
-        </p:txBody>
-      </p:sp>
-      <p:sp>
-        <p:nvSpPr>
-          <p:cNvPr id="5" name="內容版面配置區 4"/>
-          <p:cNvSpPr>
-            <a:spLocks noGrp="1"/>
-          </p:cNvSpPr>
-          <p:nvPr>
-            <p:ph idx="1"/>
-          </p:nvPr>
-        </p:nvSpPr>
-        <p:spPr/>
-        <p:txBody>
-          <a:bodyPr>
-            <a:noAutofit/>
-          </a:bodyPr>
-          <a:lstStyle/>
-          <a:p>
-            <a:pPr algn="ctr">
-              <a:buNone/>
-            </a:pPr>
-            <a:r>
-              <a:rPr lang="zh-TW" altLang="en-US" sz="4800" b="1" dirty="0">
+              <a:t>萬物都本</a:t>
+            </a:r>
+            <a:r>
+              <a:rPr lang="zh-TW" altLang="en-US" sz="4800" b="1" dirty="0" smtClean="0">
                 <a:solidFill>
                   <a:srgbClr val="000066"/>
                 </a:solidFill>
                 <a:latin typeface="微軟正黑體" pitchFamily="34" charset="-120"/>
                 <a:ea typeface="微軟正黑體" pitchFamily="34" charset="-120"/>
               </a:rPr>
-              <a:t>我們歡迎君王降臨</a:t>
+              <a:t>於</a:t>
+            </a:r>
+            <a:r>
+              <a:rPr lang="zh-CN" altLang="en-US" sz="4800" b="1" dirty="0" smtClean="0">
+                <a:solidFill>
+                  <a:srgbClr val="000066"/>
+                </a:solidFill>
+                <a:latin typeface="微軟正黑體" pitchFamily="34" charset="-120"/>
+                <a:ea typeface="微軟正黑體" pitchFamily="34" charset="-120"/>
+              </a:rPr>
+              <a:t>袮</a:t>
+            </a:r>
+            <a:r>
+              <a:rPr lang="en-US" altLang="zh-TW" sz="4800" b="1" dirty="0" smtClean="0">
+                <a:solidFill>
+                  <a:srgbClr val="000066"/>
+                </a:solidFill>
+                <a:latin typeface="微軟正黑體" pitchFamily="34" charset="-120"/>
+                <a:ea typeface="微軟正黑體" pitchFamily="34" charset="-120"/>
+              </a:rPr>
+              <a:t>  </a:t>
+            </a:r>
+            <a:r>
+              <a:rPr lang="zh-TW" altLang="en-US" sz="4800" b="1" dirty="0">
+                <a:solidFill>
+                  <a:srgbClr val="000066"/>
+                </a:solidFill>
+                <a:latin typeface="微軟正黑體" pitchFamily="34" charset="-120"/>
+                <a:ea typeface="微軟正黑體" pitchFamily="34" charset="-120"/>
+              </a:rPr>
+              <a:t>屬</a:t>
+            </a:r>
+            <a:r>
+              <a:rPr lang="zh-TW" altLang="en-US" sz="4800" b="1" dirty="0" smtClean="0">
+                <a:solidFill>
+                  <a:srgbClr val="000066"/>
+                </a:solidFill>
+                <a:latin typeface="微軟正黑體" pitchFamily="34" charset="-120"/>
+                <a:ea typeface="微軟正黑體" pitchFamily="34" charset="-120"/>
+              </a:rPr>
+              <a:t>於</a:t>
+            </a:r>
+            <a:r>
+              <a:rPr lang="zh-CN" altLang="en-US" sz="4800" b="1" dirty="0" smtClean="0">
+                <a:solidFill>
+                  <a:srgbClr val="000066"/>
+                </a:solidFill>
+                <a:latin typeface="微軟正黑體" pitchFamily="34" charset="-120"/>
+                <a:ea typeface="微軟正黑體" pitchFamily="34" charset="-120"/>
+              </a:rPr>
+              <a:t>袮  </a:t>
+            </a:r>
+            <a:r>
+              <a:rPr lang="zh-TW" altLang="en-US" sz="4800" b="1" dirty="0" smtClean="0">
+                <a:solidFill>
+                  <a:srgbClr val="000066"/>
+                </a:solidFill>
+                <a:latin typeface="微軟正黑體" pitchFamily="34" charset="-120"/>
+                <a:ea typeface="微軟正黑體" pitchFamily="34" charset="-120"/>
+              </a:rPr>
+              <a:t>歸於</a:t>
+            </a:r>
+            <a:r>
+              <a:rPr lang="zh-CN" altLang="en-US" sz="4800" b="1" dirty="0">
+                <a:solidFill>
+                  <a:srgbClr val="000066"/>
+                </a:solidFill>
+                <a:latin typeface="微軟正黑體" pitchFamily="34" charset="-120"/>
+                <a:ea typeface="微軟正黑體" pitchFamily="34" charset="-120"/>
+              </a:rPr>
+              <a:t>袮</a:t>
             </a:r>
             <a:endParaRPr lang="en-US" altLang="zh-TW" sz="4800" b="1" dirty="0">
               <a:solidFill>
@@ -3527,16 +3458,36 @@
               <a:buNone/>
             </a:pPr>
             <a:r>
-              <a:rPr lang="zh-TW" altLang="en-US" sz="4800" b="1" dirty="0">
+              <a:rPr lang="zh-CN" altLang="en-US" sz="4800" b="1" dirty="0">
                 <a:solidFill>
                   <a:srgbClr val="000066"/>
                 </a:solidFill>
                 <a:latin typeface="微軟正黑體" pitchFamily="34" charset="-120"/>
                 <a:ea typeface="微軟正黑體" pitchFamily="34" charset="-120"/>
               </a:rPr>
-              <a:t>同心高舉你聖潔的名</a:t>
-            </a:r>
-            <a:endParaRPr lang="en-US" altLang="zh-TW" sz="4800" b="1" dirty="0">
+              <a:t>袮</a:t>
+            </a:r>
+            <a:r>
+              <a:rPr lang="zh-TW" altLang="en-US" sz="4800" b="1" dirty="0" smtClean="0">
+                <a:solidFill>
+                  <a:srgbClr val="000066"/>
+                </a:solidFill>
+                <a:latin typeface="微軟正黑體" pitchFamily="34" charset="-120"/>
+                <a:ea typeface="微軟正黑體" pitchFamily="34" charset="-120"/>
+              </a:rPr>
+              <a:t>是</a:t>
+            </a:r>
+            <a:r>
+              <a:rPr lang="zh-TW" altLang="en-US" sz="4800" b="1" dirty="0">
+                <a:solidFill>
+                  <a:srgbClr val="000066"/>
+                </a:solidFill>
+                <a:latin typeface="微軟正黑體" pitchFamily="34" charset="-120"/>
+                <a:ea typeface="微軟正黑體" pitchFamily="34" charset="-120"/>
+              </a:rPr>
+              <a:t>榮耀君王</a:t>
+            </a:r>
+            <a:endParaRPr lang="zh-TW" altLang="en-US" sz="4800" b="1" dirty="0">
               <a:solidFill>
                 <a:srgbClr val="000066"/>
               </a:solidFill>
@@ -3544,46 +3495,76 @@
               <a:ea typeface="微軟正黑體" pitchFamily="34" charset="-120"/>
             </a:endParaRPr>
           </a:p>
-          <a:p>
-            <a:pPr algn="ctr">
-              <a:buNone/>
-            </a:pPr>
-            <a:r>
-              <a:rPr lang="zh-TW" altLang="en-US" sz="4800" b="1" dirty="0">
-                <a:solidFill>
-                  <a:srgbClr val="000066"/>
-                </a:solidFill>
-                <a:latin typeface="微軟正黑體" pitchFamily="34" charset="-120"/>
-                <a:ea typeface="微軟正黑體" pitchFamily="34" charset="-120"/>
-              </a:rPr>
-              <a:t>呼求天窗打開  春雨不停息</a:t>
-            </a:r>
-            <a:endParaRPr lang="en-US" altLang="zh-TW" sz="4800" b="1" dirty="0">
+        </p:txBody>
+      </p:sp>
+      <p:sp>
+        <p:nvSpPr>
+          <p:cNvPr id="3" name="TextBox 2"/>
+          <p:cNvSpPr txBox="1"/>
+          <p:nvPr/>
+        </p:nvSpPr>
+        <p:spPr>
+          <a:xfrm>
+            <a:off x="0" y="3867894"/>
+            <a:ext cx="9144000" cy="584775"/>
+          </a:xfrm>
+          <a:prstGeom prst="rect">
+            <a:avLst/>
+          </a:prstGeom>
+          <a:noFill/>
+        </p:spPr>
+        <p:txBody>
+          <a:bodyPr wrap="square" rtlCol="0">
+            <a:spAutoFit/>
+          </a:bodyPr>
+          <a:lstStyle/>
+          <a:p>
+            <a:pPr algn="ctr"/>
+            <a:r>
+              <a:rPr lang="en-US" sz="3200" b="1" dirty="0" smtClean="0">
+                <a:solidFill>
+                  <a:srgbClr val="000066"/>
+                </a:solidFill>
+                <a:latin typeface="Microsoft JhengHei" panose="020B0604030504040204" pitchFamily="34" charset="-120"/>
+                <a:ea typeface="Microsoft JhengHei" panose="020B0604030504040204" pitchFamily="34" charset="-120"/>
+              </a:rPr>
+              <a:t>( </a:t>
+            </a:r>
+            <a:r>
+              <a:rPr lang="zh-CN" altLang="en-US" sz="3200" b="1" dirty="0" smtClean="0">
+                <a:solidFill>
+                  <a:srgbClr val="000066"/>
+                </a:solidFill>
+                <a:latin typeface="Microsoft JhengHei" panose="020B0604030504040204" pitchFamily="34" charset="-120"/>
+                <a:ea typeface="Microsoft JhengHei" panose="020B0604030504040204" pitchFamily="34" charset="-120"/>
+              </a:rPr>
+              <a:t>正</a:t>
+            </a:r>
+            <a:r>
+              <a:rPr lang="en-US" sz="3200" b="1" dirty="0" smtClean="0">
+                <a:solidFill>
+                  <a:srgbClr val="000066"/>
+                </a:solidFill>
+                <a:latin typeface="Microsoft JhengHei" panose="020B0604030504040204" pitchFamily="34" charset="-120"/>
+                <a:ea typeface="Microsoft JhengHei" panose="020B0604030504040204" pitchFamily="34" charset="-120"/>
+              </a:rPr>
+              <a:t> )</a:t>
+            </a:r>
+            <a:endParaRPr lang="vi-VN" sz="3200" b="1" dirty="0">
               <a:solidFill>
                 <a:srgbClr val="000066"/>
               </a:solidFill>
-              <a:latin typeface="微軟正黑體" pitchFamily="34" charset="-120"/>
-              <a:ea typeface="微軟正黑體" pitchFamily="34" charset="-120"/>
+              <a:ea typeface="Microsoft JhengHei" panose="020B0604030504040204" pitchFamily="34" charset="-120"/>
             </a:endParaRPr>
           </a:p>
-          <a:p>
-            <a:pPr algn="ctr">
-              <a:buNone/>
-            </a:pPr>
-            <a:r>
-              <a:rPr lang="zh-TW" altLang="en-US" sz="4800" b="1" dirty="0">
-                <a:solidFill>
-                  <a:srgbClr val="000066"/>
-                </a:solidFill>
-                <a:latin typeface="微軟正黑體" pitchFamily="34" charset="-120"/>
-                <a:ea typeface="微軟正黑體" pitchFamily="34" charset="-120"/>
-              </a:rPr>
-              <a:t>我們呼喊歡迎君王降臨</a:t>
-            </a:r>
-          </a:p>
         </p:txBody>
       </p:sp>
     </p:spTree>
+    <p:extLst>
+      <p:ext uri="{BB962C8B-B14F-4D97-AF65-F5344CB8AC3E}">
+        <p14:creationId xmlns:p14="http://schemas.microsoft.com/office/powerpoint/2010/main" val="2165234243"/>
+      </p:ext>
+    </p:extLst>
   </p:cSld>
   <p:clrMapOvr>
     <a:masterClrMapping/>
@@ -3610,23 +3591,31 @@
       </p:grpSpPr>
       <p:sp>
         <p:nvSpPr>
-          <p:cNvPr id="4" name="標題 3"/>
-          <p:cNvSpPr>
-            <a:spLocks noGrp="1"/>
-          </p:cNvSpPr>
-          <p:nvPr>
-            <p:ph type="title"/>
-          </p:nvPr>
-        </p:nvSpPr>
-        <p:spPr/>
-        <p:txBody>
-          <a:bodyPr>
+          <p:cNvPr id="5" name="內容版面配置區 4"/>
+          <p:cNvSpPr>
+            <a:spLocks noGrp="1"/>
+          </p:cNvSpPr>
+          <p:nvPr>
+            <p:ph idx="1"/>
+          </p:nvPr>
+        </p:nvSpPr>
+        <p:spPr>
+          <a:xfrm>
+            <a:off x="0" y="1563638"/>
+            <a:ext cx="9144000" cy="1803647"/>
+          </a:xfrm>
+        </p:spPr>
+        <p:txBody>
+          <a:bodyPr anchor="ctr">
             <a:normAutofit/>
           </a:bodyPr>
           <a:lstStyle/>
           <a:p>
-            <a:r>
-              <a:rPr lang="zh-CN" altLang="en-US" sz="4000" b="1" dirty="0">
+            <a:pPr algn="ctr">
+              <a:buNone/>
+            </a:pPr>
+            <a:r>
+              <a:rPr lang="zh-TW" altLang="en-US" sz="4800" b="1" dirty="0">
                 <a:solidFill>
                   <a:srgbClr val="000066"/>
                 </a:solidFill>
@@ -3634,46 +3623,6 @@
                 <a:ea typeface="微軟正黑體" pitchFamily="34" charset="-120"/>
               </a:rPr>
               <a:t>我們歡迎君王降臨</a:t>
-            </a:r>
-            <a:endParaRPr lang="zh-TW" altLang="en-US" sz="4000" b="1" dirty="0">
-              <a:solidFill>
-                <a:srgbClr val="000066"/>
-              </a:solidFill>
-              <a:latin typeface="微軟正黑體" pitchFamily="34" charset="-120"/>
-              <a:ea typeface="微軟正黑體" pitchFamily="34" charset="-120"/>
-            </a:endParaRPr>
-          </a:p>
-        </p:txBody>
-      </p:sp>
-      <p:sp>
-        <p:nvSpPr>
-          <p:cNvPr id="5" name="內容版面配置區 4"/>
-          <p:cNvSpPr>
-            <a:spLocks noGrp="1"/>
-          </p:cNvSpPr>
-          <p:nvPr>
-            <p:ph idx="1"/>
-          </p:nvPr>
-        </p:nvSpPr>
-        <p:spPr/>
-        <p:txBody>
-          <a:bodyPr>
-            <a:noAutofit/>
-          </a:bodyPr>
-          <a:lstStyle/>
-          <a:p>
-            <a:pPr algn="ctr">
-              <a:buNone/>
-            </a:pPr>
-            <a:r>
-              <a:rPr lang="zh-TW" altLang="en-US" sz="4800" b="1" dirty="0">
-                <a:solidFill>
-                  <a:srgbClr val="000066"/>
-                </a:solidFill>
-                <a:latin typeface="微軟正黑體" pitchFamily="34" charset="-120"/>
-                <a:ea typeface="微軟正黑體" pitchFamily="34" charset="-120"/>
-              </a:rPr>
-              <a:t>大大張口  大大充滿</a:t>
             </a:r>
             <a:endParaRPr lang="en-US" altLang="zh-TW" sz="4800" b="1" dirty="0">
               <a:solidFill>
@@ -3695,7 +3644,47 @@
                 <a:latin typeface="微軟正黑體" pitchFamily="34" charset="-120"/>
                 <a:ea typeface="微軟正黑體" pitchFamily="34" charset="-120"/>
               </a:rPr>
-              <a:t>恩膏如雨  澆灌這地</a:t>
+              <a:t>渴望看</a:t>
+            </a:r>
+            <a:r>
+              <a:rPr lang="zh-TW" altLang="en-US" sz="4800" b="1" dirty="0" smtClean="0">
+                <a:solidFill>
+                  <a:srgbClr val="000066"/>
+                </a:solidFill>
+                <a:latin typeface="微軟正黑體" pitchFamily="34" charset="-120"/>
+                <a:ea typeface="微軟正黑體" pitchFamily="34" charset="-120"/>
+              </a:rPr>
+              <a:t>見</a:t>
+            </a:r>
+            <a:r>
+              <a:rPr lang="zh-CN" altLang="en-US" sz="4800" b="1" dirty="0">
+                <a:solidFill>
+                  <a:srgbClr val="000066"/>
+                </a:solidFill>
+                <a:latin typeface="微軟正黑體" pitchFamily="34" charset="-120"/>
+                <a:ea typeface="微軟正黑體" pitchFamily="34" charset="-120"/>
+              </a:rPr>
+              <a:t>袮</a:t>
+            </a:r>
+            <a:r>
+              <a:rPr lang="zh-TW" altLang="en-US" sz="4800" b="1" dirty="0" smtClean="0">
+                <a:solidFill>
+                  <a:srgbClr val="000066"/>
+                </a:solidFill>
+                <a:latin typeface="微軟正黑體" pitchFamily="34" charset="-120"/>
+                <a:ea typeface="微軟正黑體" pitchFamily="34" charset="-120"/>
+              </a:rPr>
+              <a:t>的</a:t>
+            </a:r>
+            <a:r>
+              <a:rPr lang="zh-TW" altLang="en-US" sz="4800" b="1" dirty="0">
+                <a:solidFill>
+                  <a:srgbClr val="000066"/>
+                </a:solidFill>
+                <a:latin typeface="微軟正黑體" pitchFamily="34" charset="-120"/>
+                <a:ea typeface="微軟正黑體" pitchFamily="34" charset="-120"/>
+              </a:rPr>
+              <a:t>彰顯</a:t>
             </a:r>
             <a:endParaRPr lang="en-US" altLang="zh-TW" sz="4800" b="1" dirty="0">
               <a:solidFill>
@@ -3705,6 +3694,131 @@
               <a:ea typeface="微軟正黑體" pitchFamily="34" charset="-120"/>
             </a:endParaRPr>
           </a:p>
+        </p:txBody>
+      </p:sp>
+      <p:sp>
+        <p:nvSpPr>
+          <p:cNvPr id="3" name="TextBox 2"/>
+          <p:cNvSpPr txBox="1"/>
+          <p:nvPr/>
+        </p:nvSpPr>
+        <p:spPr>
+          <a:xfrm>
+            <a:off x="0" y="3867894"/>
+            <a:ext cx="9144000" cy="584775"/>
+          </a:xfrm>
+          <a:prstGeom prst="rect">
+            <a:avLst/>
+          </a:prstGeom>
+          <a:noFill/>
+        </p:spPr>
+        <p:txBody>
+          <a:bodyPr wrap="square" rtlCol="0">
+            <a:spAutoFit/>
+          </a:bodyPr>
+          <a:lstStyle/>
+          <a:p>
+            <a:pPr algn="ctr"/>
+            <a:r>
+              <a:rPr lang="en-US" sz="3200" b="1" dirty="0" smtClean="0">
+                <a:solidFill>
+                  <a:srgbClr val="000066"/>
+                </a:solidFill>
+                <a:latin typeface="Microsoft JhengHei" panose="020B0604030504040204" pitchFamily="34" charset="-120"/>
+                <a:ea typeface="Microsoft JhengHei" panose="020B0604030504040204" pitchFamily="34" charset="-120"/>
+              </a:rPr>
+              <a:t>( </a:t>
+            </a:r>
+            <a:r>
+              <a:rPr lang="zh-CN" altLang="en-US" sz="3200" b="1" dirty="0" smtClean="0">
+                <a:solidFill>
+                  <a:srgbClr val="000066"/>
+                </a:solidFill>
+                <a:latin typeface="Microsoft JhengHei" panose="020B0604030504040204" pitchFamily="34" charset="-120"/>
+                <a:ea typeface="Microsoft JhengHei" panose="020B0604030504040204" pitchFamily="34" charset="-120"/>
+              </a:rPr>
+              <a:t>副</a:t>
+            </a:r>
+            <a:r>
+              <a:rPr lang="en-US" sz="3200" b="1" dirty="0" smtClean="0">
+                <a:solidFill>
+                  <a:srgbClr val="000066"/>
+                </a:solidFill>
+                <a:latin typeface="Microsoft JhengHei" panose="020B0604030504040204" pitchFamily="34" charset="-120"/>
+                <a:ea typeface="Microsoft JhengHei" panose="020B0604030504040204" pitchFamily="34" charset="-120"/>
+              </a:rPr>
+              <a:t> </a:t>
+            </a:r>
+            <a:r>
+              <a:rPr lang="en-US" sz="3200" b="1" dirty="0" smtClean="0">
+                <a:solidFill>
+                  <a:srgbClr val="000066"/>
+                </a:solidFill>
+                <a:latin typeface="Microsoft JhengHei" panose="020B0604030504040204" pitchFamily="34" charset="-120"/>
+                <a:ea typeface="Microsoft JhengHei" panose="020B0604030504040204" pitchFamily="34" charset="-120"/>
+              </a:rPr>
+              <a:t>)</a:t>
+            </a:r>
+            <a:endParaRPr lang="vi-VN" sz="3200" b="1" dirty="0">
+              <a:solidFill>
+                <a:srgbClr val="000066"/>
+              </a:solidFill>
+              <a:ea typeface="Microsoft JhengHei" panose="020B0604030504040204" pitchFamily="34" charset="-120"/>
+            </a:endParaRPr>
+          </a:p>
+        </p:txBody>
+      </p:sp>
+    </p:spTree>
+    <p:extLst>
+      <p:ext uri="{BB962C8B-B14F-4D97-AF65-F5344CB8AC3E}">
+        <p14:creationId xmlns:p14="http://schemas.microsoft.com/office/powerpoint/2010/main" val="3918976080"/>
+      </p:ext>
+    </p:extLst>
+  </p:cSld>
+  <p:clrMapOvr>
+    <a:masterClrMapping/>
+  </p:clrMapOvr>
+</p:sld>
+</file>
+
+<file path=ppt/slides/slide5.xml><?xml version="1.0" encoding="utf-8"?>
+<p:sld xmlns:a="http://schemas.openxmlformats.org/drawingml/2006/main" xmlns:r="http://schemas.openxmlformats.org/officeDocument/2006/relationships" xmlns:p="http://schemas.openxmlformats.org/presentationml/2006/main">
+  <p:cSld>
+    <p:spTree>
+      <p:nvGrpSpPr>
+        <p:cNvPr id="1" name=""/>
+        <p:cNvGrpSpPr/>
+        <p:nvPr/>
+      </p:nvGrpSpPr>
+      <p:grpSpPr>
+        <a:xfrm>
+          <a:off x="0" y="0"/>
+          <a:ext cx="0" cy="0"/>
+          <a:chOff x="0" y="0"/>
+          <a:chExt cx="0" cy="0"/>
+        </a:xfrm>
+      </p:grpSpPr>
+      <p:sp>
+        <p:nvSpPr>
+          <p:cNvPr id="5" name="內容版面配置區 4"/>
+          <p:cNvSpPr>
+            <a:spLocks noGrp="1"/>
+          </p:cNvSpPr>
+          <p:nvPr>
+            <p:ph idx="1"/>
+          </p:nvPr>
+        </p:nvSpPr>
+        <p:spPr>
+          <a:xfrm>
+            <a:off x="0" y="1563638"/>
+            <a:ext cx="9144000" cy="1803647"/>
+          </a:xfrm>
+        </p:spPr>
+        <p:txBody>
+          <a:bodyPr anchor="ctr">
+            <a:normAutofit/>
+          </a:bodyPr>
+          <a:lstStyle/>
           <a:p>
             <a:pPr algn="ctr">
               <a:buNone/>
@@ -3717,7 +3831,47 @@
                 <a:latin typeface="微軟正黑體" pitchFamily="34" charset="-120"/>
                 <a:ea typeface="微軟正黑體" pitchFamily="34" charset="-120"/>
               </a:rPr>
-              <a:t>眼未看見  耳未聽見</a:t>
+              <a:t>呼</a:t>
+            </a:r>
+            <a:r>
+              <a:rPr lang="zh-TW" altLang="en-US" sz="4800" b="1" dirty="0" smtClean="0">
+                <a:solidFill>
+                  <a:srgbClr val="000066"/>
+                </a:solidFill>
+                <a:latin typeface="微軟正黑體" pitchFamily="34" charset="-120"/>
+                <a:ea typeface="微軟正黑體" pitchFamily="34" charset="-120"/>
+              </a:rPr>
+              <a:t>求</a:t>
+            </a:r>
+            <a:r>
+              <a:rPr lang="zh-CN" altLang="en-US" sz="4800" b="1" dirty="0">
+                <a:solidFill>
+                  <a:srgbClr val="000066"/>
+                </a:solidFill>
+                <a:latin typeface="微軟正黑體" pitchFamily="34" charset="-120"/>
+                <a:ea typeface="微軟正黑體" pitchFamily="34" charset="-120"/>
+              </a:rPr>
+              <a:t>袮</a:t>
+            </a:r>
+            <a:r>
+              <a:rPr lang="zh-TW" altLang="en-US" sz="4800" b="1" dirty="0" smtClean="0">
+                <a:solidFill>
+                  <a:srgbClr val="000066"/>
+                </a:solidFill>
+                <a:latin typeface="微軟正黑體" pitchFamily="34" charset="-120"/>
+                <a:ea typeface="微軟正黑體" pitchFamily="34" charset="-120"/>
+              </a:rPr>
+              <a:t>來</a:t>
+            </a:r>
+            <a:r>
+              <a:rPr lang="zh-TW" altLang="en-US" sz="4800" b="1" dirty="0">
+                <a:solidFill>
+                  <a:srgbClr val="000066"/>
+                </a:solidFill>
+                <a:latin typeface="微軟正黑體" pitchFamily="34" charset="-120"/>
+                <a:ea typeface="微軟正黑體" pitchFamily="34" charset="-120"/>
+              </a:rPr>
+              <a:t>翻轉震動這土地</a:t>
             </a:r>
             <a:endParaRPr lang="en-US" altLang="zh-TW" sz="4800" b="1" dirty="0">
               <a:solidFill>
@@ -3739,12 +3893,852 @@
                 <a:latin typeface="微軟正黑體" pitchFamily="34" charset="-120"/>
                 <a:ea typeface="微軟正黑體" pitchFamily="34" charset="-120"/>
               </a:rPr>
-              <a:t>渴慕更多看見你的榮面</a:t>
-            </a:r>
+              <a:t>復興我們聖潔的熱情</a:t>
+            </a:r>
+            <a:endParaRPr lang="zh-TW" altLang="en-US" sz="4800" b="1" dirty="0">
+              <a:solidFill>
+                <a:srgbClr val="000066"/>
+              </a:solidFill>
+              <a:latin typeface="微軟正黑體" pitchFamily="34" charset="-120"/>
+              <a:ea typeface="微軟正黑體" pitchFamily="34" charset="-120"/>
+            </a:endParaRPr>
+          </a:p>
+        </p:txBody>
+      </p:sp>
+      <p:sp>
+        <p:nvSpPr>
+          <p:cNvPr id="3" name="TextBox 2"/>
+          <p:cNvSpPr txBox="1"/>
+          <p:nvPr/>
+        </p:nvSpPr>
+        <p:spPr>
+          <a:xfrm>
+            <a:off x="0" y="3867894"/>
+            <a:ext cx="9144000" cy="584775"/>
+          </a:xfrm>
+          <a:prstGeom prst="rect">
+            <a:avLst/>
+          </a:prstGeom>
+          <a:noFill/>
+        </p:spPr>
+        <p:txBody>
+          <a:bodyPr wrap="square" rtlCol="0">
+            <a:spAutoFit/>
+          </a:bodyPr>
+          <a:lstStyle/>
+          <a:p>
+            <a:pPr algn="ctr"/>
+            <a:r>
+              <a:rPr lang="en-US" sz="3200" b="1" dirty="0" smtClean="0">
+                <a:solidFill>
+                  <a:srgbClr val="000066"/>
+                </a:solidFill>
+                <a:latin typeface="Microsoft JhengHei" panose="020B0604030504040204" pitchFamily="34" charset="-120"/>
+                <a:ea typeface="Microsoft JhengHei" panose="020B0604030504040204" pitchFamily="34" charset="-120"/>
+              </a:rPr>
+              <a:t>( </a:t>
+            </a:r>
+            <a:r>
+              <a:rPr lang="zh-CN" altLang="en-US" sz="3200" b="1" dirty="0" smtClean="0">
+                <a:solidFill>
+                  <a:srgbClr val="000066"/>
+                </a:solidFill>
+                <a:latin typeface="Microsoft JhengHei" panose="020B0604030504040204" pitchFamily="34" charset="-120"/>
+                <a:ea typeface="Microsoft JhengHei" panose="020B0604030504040204" pitchFamily="34" charset="-120"/>
+              </a:rPr>
+              <a:t>副</a:t>
+            </a:r>
+            <a:r>
+              <a:rPr lang="en-US" sz="3200" b="1" dirty="0" smtClean="0">
+                <a:solidFill>
+                  <a:srgbClr val="000066"/>
+                </a:solidFill>
+                <a:latin typeface="Microsoft JhengHei" panose="020B0604030504040204" pitchFamily="34" charset="-120"/>
+                <a:ea typeface="Microsoft JhengHei" panose="020B0604030504040204" pitchFamily="34" charset="-120"/>
+              </a:rPr>
+              <a:t> </a:t>
+            </a:r>
+            <a:r>
+              <a:rPr lang="en-US" sz="3200" b="1" dirty="0" smtClean="0">
+                <a:solidFill>
+                  <a:srgbClr val="000066"/>
+                </a:solidFill>
+                <a:latin typeface="Microsoft JhengHei" panose="020B0604030504040204" pitchFamily="34" charset="-120"/>
+                <a:ea typeface="Microsoft JhengHei" panose="020B0604030504040204" pitchFamily="34" charset="-120"/>
+              </a:rPr>
+              <a:t>)</a:t>
+            </a:r>
+            <a:endParaRPr lang="vi-VN" sz="3200" b="1" dirty="0">
+              <a:solidFill>
+                <a:srgbClr val="000066"/>
+              </a:solidFill>
+              <a:ea typeface="Microsoft JhengHei" panose="020B0604030504040204" pitchFamily="34" charset="-120"/>
+            </a:endParaRPr>
           </a:p>
         </p:txBody>
       </p:sp>
     </p:spTree>
+    <p:extLst>
+      <p:ext uri="{BB962C8B-B14F-4D97-AF65-F5344CB8AC3E}">
+        <p14:creationId xmlns:p14="http://schemas.microsoft.com/office/powerpoint/2010/main" val="426688767"/>
+      </p:ext>
+    </p:extLst>
+  </p:cSld>
+  <p:clrMapOvr>
+    <a:masterClrMapping/>
+  </p:clrMapOvr>
+</p:sld>
+</file>
+
+<file path=ppt/slides/slide6.xml><?xml version="1.0" encoding="utf-8"?>
+<p:sld xmlns:a="http://schemas.openxmlformats.org/drawingml/2006/main" xmlns:r="http://schemas.openxmlformats.org/officeDocument/2006/relationships" xmlns:p="http://schemas.openxmlformats.org/presentationml/2006/main">
+  <p:cSld>
+    <p:spTree>
+      <p:nvGrpSpPr>
+        <p:cNvPr id="1" name=""/>
+        <p:cNvGrpSpPr/>
+        <p:nvPr/>
+      </p:nvGrpSpPr>
+      <p:grpSpPr>
+        <a:xfrm>
+          <a:off x="0" y="0"/>
+          <a:ext cx="0" cy="0"/>
+          <a:chOff x="0" y="0"/>
+          <a:chExt cx="0" cy="0"/>
+        </a:xfrm>
+      </p:grpSpPr>
+      <p:sp>
+        <p:nvSpPr>
+          <p:cNvPr id="5" name="內容版面配置區 4"/>
+          <p:cNvSpPr>
+            <a:spLocks noGrp="1"/>
+          </p:cNvSpPr>
+          <p:nvPr>
+            <p:ph idx="1"/>
+          </p:nvPr>
+        </p:nvSpPr>
+        <p:spPr>
+          <a:xfrm>
+            <a:off x="0" y="1563638"/>
+            <a:ext cx="9144000" cy="1803647"/>
+          </a:xfrm>
+        </p:spPr>
+        <p:txBody>
+          <a:bodyPr anchor="ctr">
+            <a:normAutofit/>
+          </a:bodyPr>
+          <a:lstStyle/>
+          <a:p>
+            <a:pPr algn="ctr">
+              <a:buNone/>
+            </a:pPr>
+            <a:r>
+              <a:rPr lang="zh-TW" altLang="en-US" sz="4800" b="1" dirty="0">
+                <a:solidFill>
+                  <a:srgbClr val="000066"/>
+                </a:solidFill>
+                <a:latin typeface="微軟正黑體" pitchFamily="34" charset="-120"/>
+                <a:ea typeface="微軟正黑體" pitchFamily="34" charset="-120"/>
+              </a:rPr>
+              <a:t>我們歡迎君王降臨</a:t>
+            </a:r>
+            <a:endParaRPr lang="en-US" altLang="zh-TW" sz="4800" b="1" dirty="0">
+              <a:solidFill>
+                <a:srgbClr val="000066"/>
+              </a:solidFill>
+              <a:latin typeface="微軟正黑體" pitchFamily="34" charset="-120"/>
+              <a:ea typeface="微軟正黑體" pitchFamily="34" charset="-120"/>
+            </a:endParaRPr>
+          </a:p>
+          <a:p>
+            <a:pPr algn="ctr">
+              <a:buNone/>
+            </a:pPr>
+            <a:r>
+              <a:rPr lang="zh-TW" altLang="en-US" sz="4800" b="1" dirty="0">
+                <a:solidFill>
+                  <a:srgbClr val="000066"/>
+                </a:solidFill>
+                <a:latin typeface="微軟正黑體" pitchFamily="34" charset="-120"/>
+                <a:ea typeface="微軟正黑體" pitchFamily="34" charset="-120"/>
+              </a:rPr>
+              <a:t>同心高</a:t>
+            </a:r>
+            <a:r>
+              <a:rPr lang="zh-TW" altLang="en-US" sz="4800" b="1" dirty="0" smtClean="0">
+                <a:solidFill>
+                  <a:srgbClr val="000066"/>
+                </a:solidFill>
+                <a:latin typeface="微軟正黑體" pitchFamily="34" charset="-120"/>
+                <a:ea typeface="微軟正黑體" pitchFamily="34" charset="-120"/>
+              </a:rPr>
+              <a:t>舉</a:t>
+            </a:r>
+            <a:r>
+              <a:rPr lang="zh-CN" altLang="en-US" sz="4800" b="1" dirty="0">
+                <a:solidFill>
+                  <a:srgbClr val="000066"/>
+                </a:solidFill>
+                <a:latin typeface="微軟正黑體" pitchFamily="34" charset="-120"/>
+                <a:ea typeface="微軟正黑體" pitchFamily="34" charset="-120"/>
+              </a:rPr>
+              <a:t>袮</a:t>
+            </a:r>
+            <a:r>
+              <a:rPr lang="zh-TW" altLang="en-US" sz="4800" b="1" dirty="0" smtClean="0">
+                <a:solidFill>
+                  <a:srgbClr val="000066"/>
+                </a:solidFill>
+                <a:latin typeface="微軟正黑體" pitchFamily="34" charset="-120"/>
+                <a:ea typeface="微軟正黑體" pitchFamily="34" charset="-120"/>
+              </a:rPr>
+              <a:t>聖</a:t>
+            </a:r>
+            <a:r>
+              <a:rPr lang="zh-TW" altLang="en-US" sz="4800" b="1" dirty="0">
+                <a:solidFill>
+                  <a:srgbClr val="000066"/>
+                </a:solidFill>
+                <a:latin typeface="微軟正黑體" pitchFamily="34" charset="-120"/>
+                <a:ea typeface="微軟正黑體" pitchFamily="34" charset="-120"/>
+              </a:rPr>
+              <a:t>潔的名</a:t>
+            </a:r>
+            <a:endParaRPr lang="en-US" altLang="zh-TW" sz="4800" b="1" dirty="0">
+              <a:solidFill>
+                <a:srgbClr val="000066"/>
+              </a:solidFill>
+              <a:latin typeface="微軟正黑體" pitchFamily="34" charset="-120"/>
+              <a:ea typeface="微軟正黑體" pitchFamily="34" charset="-120"/>
+            </a:endParaRPr>
+          </a:p>
+        </p:txBody>
+      </p:sp>
+      <p:sp>
+        <p:nvSpPr>
+          <p:cNvPr id="3" name="TextBox 2"/>
+          <p:cNvSpPr txBox="1"/>
+          <p:nvPr/>
+        </p:nvSpPr>
+        <p:spPr>
+          <a:xfrm>
+            <a:off x="0" y="3867894"/>
+            <a:ext cx="9144000" cy="584775"/>
+          </a:xfrm>
+          <a:prstGeom prst="rect">
+            <a:avLst/>
+          </a:prstGeom>
+          <a:noFill/>
+        </p:spPr>
+        <p:txBody>
+          <a:bodyPr wrap="square" rtlCol="0">
+            <a:spAutoFit/>
+          </a:bodyPr>
+          <a:lstStyle/>
+          <a:p>
+            <a:pPr algn="ctr"/>
+            <a:r>
+              <a:rPr lang="en-US" sz="3200" b="1" dirty="0" smtClean="0">
+                <a:solidFill>
+                  <a:srgbClr val="000066"/>
+                </a:solidFill>
+                <a:latin typeface="Microsoft JhengHei" panose="020B0604030504040204" pitchFamily="34" charset="-120"/>
+                <a:ea typeface="Microsoft JhengHei" panose="020B0604030504040204" pitchFamily="34" charset="-120"/>
+              </a:rPr>
+              <a:t>( </a:t>
+            </a:r>
+            <a:r>
+              <a:rPr lang="zh-CN" altLang="en-US" sz="3200" b="1" dirty="0" smtClean="0">
+                <a:solidFill>
+                  <a:srgbClr val="000066"/>
+                </a:solidFill>
+                <a:latin typeface="Microsoft JhengHei" panose="020B0604030504040204" pitchFamily="34" charset="-120"/>
+                <a:ea typeface="Microsoft JhengHei" panose="020B0604030504040204" pitchFamily="34" charset="-120"/>
+              </a:rPr>
+              <a:t>副</a:t>
+            </a:r>
+            <a:r>
+              <a:rPr lang="en-US" sz="3200" b="1" dirty="0" smtClean="0">
+                <a:solidFill>
+                  <a:srgbClr val="000066"/>
+                </a:solidFill>
+                <a:latin typeface="Microsoft JhengHei" panose="020B0604030504040204" pitchFamily="34" charset="-120"/>
+                <a:ea typeface="Microsoft JhengHei" panose="020B0604030504040204" pitchFamily="34" charset="-120"/>
+              </a:rPr>
+              <a:t> </a:t>
+            </a:r>
+            <a:r>
+              <a:rPr lang="en-US" sz="3200" b="1" dirty="0" smtClean="0">
+                <a:solidFill>
+                  <a:srgbClr val="000066"/>
+                </a:solidFill>
+                <a:latin typeface="Microsoft JhengHei" panose="020B0604030504040204" pitchFamily="34" charset="-120"/>
+                <a:ea typeface="Microsoft JhengHei" panose="020B0604030504040204" pitchFamily="34" charset="-120"/>
+              </a:rPr>
+              <a:t>)</a:t>
+            </a:r>
+            <a:endParaRPr lang="vi-VN" sz="3200" b="1" dirty="0">
+              <a:solidFill>
+                <a:srgbClr val="000066"/>
+              </a:solidFill>
+              <a:ea typeface="Microsoft JhengHei" panose="020B0604030504040204" pitchFamily="34" charset="-120"/>
+            </a:endParaRPr>
+          </a:p>
+        </p:txBody>
+      </p:sp>
+    </p:spTree>
+    <p:extLst>
+      <p:ext uri="{BB962C8B-B14F-4D97-AF65-F5344CB8AC3E}">
+        <p14:creationId xmlns:p14="http://schemas.microsoft.com/office/powerpoint/2010/main" val="2322799609"/>
+      </p:ext>
+    </p:extLst>
+  </p:cSld>
+  <p:clrMapOvr>
+    <a:masterClrMapping/>
+  </p:clrMapOvr>
+</p:sld>
+</file>
+
+<file path=ppt/slides/slide7.xml><?xml version="1.0" encoding="utf-8"?>
+<p:sld xmlns:a="http://schemas.openxmlformats.org/drawingml/2006/main" xmlns:r="http://schemas.openxmlformats.org/officeDocument/2006/relationships" xmlns:p="http://schemas.openxmlformats.org/presentationml/2006/main">
+  <p:cSld>
+    <p:spTree>
+      <p:nvGrpSpPr>
+        <p:cNvPr id="1" name=""/>
+        <p:cNvGrpSpPr/>
+        <p:nvPr/>
+      </p:nvGrpSpPr>
+      <p:grpSpPr>
+        <a:xfrm>
+          <a:off x="0" y="0"/>
+          <a:ext cx="0" cy="0"/>
+          <a:chOff x="0" y="0"/>
+          <a:chExt cx="0" cy="0"/>
+        </a:xfrm>
+      </p:grpSpPr>
+      <p:sp>
+        <p:nvSpPr>
+          <p:cNvPr id="5" name="內容版面配置區 4"/>
+          <p:cNvSpPr>
+            <a:spLocks noGrp="1"/>
+          </p:cNvSpPr>
+          <p:nvPr>
+            <p:ph idx="1"/>
+          </p:nvPr>
+        </p:nvSpPr>
+        <p:spPr>
+          <a:xfrm>
+            <a:off x="0" y="1563638"/>
+            <a:ext cx="9144000" cy="1803647"/>
+          </a:xfrm>
+        </p:spPr>
+        <p:txBody>
+          <a:bodyPr anchor="ctr">
+            <a:normAutofit/>
+          </a:bodyPr>
+          <a:lstStyle/>
+          <a:p>
+            <a:pPr algn="ctr">
+              <a:buNone/>
+            </a:pPr>
+            <a:r>
+              <a:rPr lang="zh-TW" altLang="en-US" sz="4800" b="1" dirty="0">
+                <a:solidFill>
+                  <a:srgbClr val="000066"/>
+                </a:solidFill>
+                <a:latin typeface="微軟正黑體" pitchFamily="34" charset="-120"/>
+                <a:ea typeface="微軟正黑體" pitchFamily="34" charset="-120"/>
+              </a:rPr>
+              <a:t>呼求天窗打開  春雨不停息</a:t>
+            </a:r>
+            <a:endParaRPr lang="en-US" altLang="zh-TW" sz="4800" b="1" dirty="0">
+              <a:solidFill>
+                <a:srgbClr val="000066"/>
+              </a:solidFill>
+              <a:latin typeface="微軟正黑體" pitchFamily="34" charset="-120"/>
+              <a:ea typeface="微軟正黑體" pitchFamily="34" charset="-120"/>
+            </a:endParaRPr>
+          </a:p>
+          <a:p>
+            <a:pPr algn="ctr">
+              <a:buNone/>
+            </a:pPr>
+            <a:r>
+              <a:rPr lang="zh-TW" altLang="en-US" sz="4800" b="1" dirty="0">
+                <a:solidFill>
+                  <a:srgbClr val="000066"/>
+                </a:solidFill>
+                <a:latin typeface="微軟正黑體" pitchFamily="34" charset="-120"/>
+                <a:ea typeface="微軟正黑體" pitchFamily="34" charset="-120"/>
+              </a:rPr>
+              <a:t>我們呼喊歡迎君王降臨</a:t>
+            </a:r>
+            <a:endParaRPr lang="zh-TW" altLang="en-US" sz="4800" b="1" dirty="0">
+              <a:solidFill>
+                <a:srgbClr val="000066"/>
+              </a:solidFill>
+              <a:latin typeface="微軟正黑體" pitchFamily="34" charset="-120"/>
+              <a:ea typeface="微軟正黑體" pitchFamily="34" charset="-120"/>
+            </a:endParaRPr>
+          </a:p>
+        </p:txBody>
+      </p:sp>
+      <p:sp>
+        <p:nvSpPr>
+          <p:cNvPr id="3" name="TextBox 2"/>
+          <p:cNvSpPr txBox="1"/>
+          <p:nvPr/>
+        </p:nvSpPr>
+        <p:spPr>
+          <a:xfrm>
+            <a:off x="0" y="3867894"/>
+            <a:ext cx="9144000" cy="584775"/>
+          </a:xfrm>
+          <a:prstGeom prst="rect">
+            <a:avLst/>
+          </a:prstGeom>
+          <a:noFill/>
+        </p:spPr>
+        <p:txBody>
+          <a:bodyPr wrap="square" rtlCol="0">
+            <a:spAutoFit/>
+          </a:bodyPr>
+          <a:lstStyle/>
+          <a:p>
+            <a:pPr algn="ctr"/>
+            <a:r>
+              <a:rPr lang="en-US" sz="3200" b="1" dirty="0" smtClean="0">
+                <a:solidFill>
+                  <a:srgbClr val="000066"/>
+                </a:solidFill>
+                <a:latin typeface="Microsoft JhengHei" panose="020B0604030504040204" pitchFamily="34" charset="-120"/>
+                <a:ea typeface="Microsoft JhengHei" panose="020B0604030504040204" pitchFamily="34" charset="-120"/>
+              </a:rPr>
+              <a:t>( </a:t>
+            </a:r>
+            <a:r>
+              <a:rPr lang="zh-CN" altLang="en-US" sz="3200" b="1" dirty="0" smtClean="0">
+                <a:solidFill>
+                  <a:srgbClr val="000066"/>
+                </a:solidFill>
+                <a:latin typeface="Microsoft JhengHei" panose="020B0604030504040204" pitchFamily="34" charset="-120"/>
+                <a:ea typeface="Microsoft JhengHei" panose="020B0604030504040204" pitchFamily="34" charset="-120"/>
+              </a:rPr>
+              <a:t>副</a:t>
+            </a:r>
+            <a:r>
+              <a:rPr lang="en-US" sz="3200" b="1" dirty="0" smtClean="0">
+                <a:solidFill>
+                  <a:srgbClr val="000066"/>
+                </a:solidFill>
+                <a:latin typeface="Microsoft JhengHei" panose="020B0604030504040204" pitchFamily="34" charset="-120"/>
+                <a:ea typeface="Microsoft JhengHei" panose="020B0604030504040204" pitchFamily="34" charset="-120"/>
+              </a:rPr>
+              <a:t> </a:t>
+            </a:r>
+            <a:r>
+              <a:rPr lang="en-US" sz="3200" b="1" dirty="0" smtClean="0">
+                <a:solidFill>
+                  <a:srgbClr val="000066"/>
+                </a:solidFill>
+                <a:latin typeface="Microsoft JhengHei" panose="020B0604030504040204" pitchFamily="34" charset="-120"/>
+                <a:ea typeface="Microsoft JhengHei" panose="020B0604030504040204" pitchFamily="34" charset="-120"/>
+              </a:rPr>
+              <a:t>)</a:t>
+            </a:r>
+            <a:endParaRPr lang="vi-VN" sz="3200" b="1" dirty="0">
+              <a:solidFill>
+                <a:srgbClr val="000066"/>
+              </a:solidFill>
+              <a:ea typeface="Microsoft JhengHei" panose="020B0604030504040204" pitchFamily="34" charset="-120"/>
+            </a:endParaRPr>
+          </a:p>
+        </p:txBody>
+      </p:sp>
+    </p:spTree>
+    <p:extLst>
+      <p:ext uri="{BB962C8B-B14F-4D97-AF65-F5344CB8AC3E}">
+        <p14:creationId xmlns:p14="http://schemas.microsoft.com/office/powerpoint/2010/main" val="1886499697"/>
+      </p:ext>
+    </p:extLst>
+  </p:cSld>
+  <p:clrMapOvr>
+    <a:masterClrMapping/>
+  </p:clrMapOvr>
+</p:sld>
+</file>
+
+<file path=ppt/slides/slide8.xml><?xml version="1.0" encoding="utf-8"?>
+<p:sld xmlns:a="http://schemas.openxmlformats.org/drawingml/2006/main" xmlns:r="http://schemas.openxmlformats.org/officeDocument/2006/relationships" xmlns:p="http://schemas.openxmlformats.org/presentationml/2006/main">
+  <p:cSld>
+    <p:spTree>
+      <p:nvGrpSpPr>
+        <p:cNvPr id="1" name=""/>
+        <p:cNvGrpSpPr/>
+        <p:nvPr/>
+      </p:nvGrpSpPr>
+      <p:grpSpPr>
+        <a:xfrm>
+          <a:off x="0" y="0"/>
+          <a:ext cx="0" cy="0"/>
+          <a:chOff x="0" y="0"/>
+          <a:chExt cx="0" cy="0"/>
+        </a:xfrm>
+      </p:grpSpPr>
+      <p:sp>
+        <p:nvSpPr>
+          <p:cNvPr id="5" name="內容版面配置區 4"/>
+          <p:cNvSpPr>
+            <a:spLocks noGrp="1"/>
+          </p:cNvSpPr>
+          <p:nvPr>
+            <p:ph idx="1"/>
+          </p:nvPr>
+        </p:nvSpPr>
+        <p:spPr>
+          <a:xfrm>
+            <a:off x="0" y="1563638"/>
+            <a:ext cx="9144000" cy="1803647"/>
+          </a:xfrm>
+        </p:spPr>
+        <p:txBody>
+          <a:bodyPr anchor="ctr">
+            <a:normAutofit/>
+          </a:bodyPr>
+          <a:lstStyle/>
+          <a:p>
+            <a:pPr algn="ctr">
+              <a:buNone/>
+            </a:pPr>
+            <a:r>
+              <a:rPr lang="zh-TW" altLang="en-US" sz="4800" b="1" dirty="0">
+                <a:solidFill>
+                  <a:srgbClr val="000066"/>
+                </a:solidFill>
+                <a:latin typeface="微軟正黑體" pitchFamily="34" charset="-120"/>
+                <a:ea typeface="微軟正黑體" pitchFamily="34" charset="-120"/>
+              </a:rPr>
+              <a:t>大大張口  大大充滿</a:t>
+            </a:r>
+            <a:endParaRPr lang="en-US" altLang="zh-TW" sz="4800" b="1" dirty="0">
+              <a:solidFill>
+                <a:srgbClr val="000066"/>
+              </a:solidFill>
+              <a:latin typeface="微軟正黑體" pitchFamily="34" charset="-120"/>
+              <a:ea typeface="微軟正黑體" pitchFamily="34" charset="-120"/>
+            </a:endParaRPr>
+          </a:p>
+          <a:p>
+            <a:pPr algn="ctr">
+              <a:buNone/>
+            </a:pPr>
+            <a:r>
+              <a:rPr lang="zh-TW" altLang="en-US" sz="4800" b="1" dirty="0">
+                <a:solidFill>
+                  <a:srgbClr val="000066"/>
+                </a:solidFill>
+                <a:latin typeface="微軟正黑體" pitchFamily="34" charset="-120"/>
+                <a:ea typeface="微軟正黑體" pitchFamily="34" charset="-120"/>
+              </a:rPr>
+              <a:t>恩膏如雨  澆灌這地</a:t>
+            </a:r>
+            <a:endParaRPr lang="en-US" altLang="zh-TW" sz="4800" b="1" dirty="0">
+              <a:solidFill>
+                <a:srgbClr val="000066"/>
+              </a:solidFill>
+              <a:latin typeface="微軟正黑體" pitchFamily="34" charset="-120"/>
+              <a:ea typeface="微軟正黑體" pitchFamily="34" charset="-120"/>
+            </a:endParaRPr>
+          </a:p>
+        </p:txBody>
+      </p:sp>
+      <p:sp>
+        <p:nvSpPr>
+          <p:cNvPr id="3" name="TextBox 2"/>
+          <p:cNvSpPr txBox="1"/>
+          <p:nvPr/>
+        </p:nvSpPr>
+        <p:spPr>
+          <a:xfrm>
+            <a:off x="0" y="3867894"/>
+            <a:ext cx="9144000" cy="584775"/>
+          </a:xfrm>
+          <a:prstGeom prst="rect">
+            <a:avLst/>
+          </a:prstGeom>
+          <a:noFill/>
+        </p:spPr>
+        <p:txBody>
+          <a:bodyPr wrap="square" rtlCol="0">
+            <a:spAutoFit/>
+          </a:bodyPr>
+          <a:lstStyle/>
+          <a:p>
+            <a:pPr algn="ctr"/>
+            <a:r>
+              <a:rPr lang="en-US" sz="3200" b="1" dirty="0" smtClean="0">
+                <a:solidFill>
+                  <a:srgbClr val="000066"/>
+                </a:solidFill>
+                <a:latin typeface="Microsoft JhengHei" panose="020B0604030504040204" pitchFamily="34" charset="-120"/>
+                <a:ea typeface="Microsoft JhengHei" panose="020B0604030504040204" pitchFamily="34" charset="-120"/>
+              </a:rPr>
+              <a:t>( </a:t>
+            </a:r>
+            <a:r>
+              <a:rPr lang="zh-CN" altLang="en-US" sz="3200" b="1" dirty="0">
+                <a:solidFill>
+                  <a:srgbClr val="000066"/>
+                </a:solidFill>
+                <a:latin typeface="Microsoft JhengHei" panose="020B0604030504040204" pitchFamily="34" charset="-120"/>
+                <a:ea typeface="Microsoft JhengHei" panose="020B0604030504040204" pitchFamily="34" charset="-120"/>
+              </a:rPr>
+              <a:t>橋</a:t>
+            </a:r>
+            <a:r>
+              <a:rPr lang="en-US" sz="3200" b="1" dirty="0" smtClean="0">
+                <a:solidFill>
+                  <a:srgbClr val="000066"/>
+                </a:solidFill>
+                <a:latin typeface="Microsoft JhengHei" panose="020B0604030504040204" pitchFamily="34" charset="-120"/>
+                <a:ea typeface="Microsoft JhengHei" panose="020B0604030504040204" pitchFamily="34" charset="-120"/>
+              </a:rPr>
+              <a:t> </a:t>
+            </a:r>
+            <a:r>
+              <a:rPr lang="en-US" sz="3200" b="1" dirty="0" smtClean="0">
+                <a:solidFill>
+                  <a:srgbClr val="000066"/>
+                </a:solidFill>
+                <a:latin typeface="Microsoft JhengHei" panose="020B0604030504040204" pitchFamily="34" charset="-120"/>
+                <a:ea typeface="Microsoft JhengHei" panose="020B0604030504040204" pitchFamily="34" charset="-120"/>
+              </a:rPr>
+              <a:t>)</a:t>
+            </a:r>
+            <a:endParaRPr lang="vi-VN" sz="3200" b="1" dirty="0">
+              <a:solidFill>
+                <a:srgbClr val="000066"/>
+              </a:solidFill>
+              <a:ea typeface="Microsoft JhengHei" panose="020B0604030504040204" pitchFamily="34" charset="-120"/>
+            </a:endParaRPr>
+          </a:p>
+        </p:txBody>
+      </p:sp>
+    </p:spTree>
+    <p:extLst>
+      <p:ext uri="{BB962C8B-B14F-4D97-AF65-F5344CB8AC3E}">
+        <p14:creationId xmlns:p14="http://schemas.microsoft.com/office/powerpoint/2010/main" val="359702106"/>
+      </p:ext>
+    </p:extLst>
+  </p:cSld>
+  <p:clrMapOvr>
+    <a:masterClrMapping/>
+  </p:clrMapOvr>
+</p:sld>
+</file>
+
+<file path=ppt/slides/slide9.xml><?xml version="1.0" encoding="utf-8"?>
+<p:sld xmlns:a="http://schemas.openxmlformats.org/drawingml/2006/main" xmlns:r="http://schemas.openxmlformats.org/officeDocument/2006/relationships" xmlns:p="http://schemas.openxmlformats.org/presentationml/2006/main">
+  <p:cSld>
+    <p:spTree>
+      <p:nvGrpSpPr>
+        <p:cNvPr id="1" name=""/>
+        <p:cNvGrpSpPr/>
+        <p:nvPr/>
+      </p:nvGrpSpPr>
+      <p:grpSpPr>
+        <a:xfrm>
+          <a:off x="0" y="0"/>
+          <a:ext cx="0" cy="0"/>
+          <a:chOff x="0" y="0"/>
+          <a:chExt cx="0" cy="0"/>
+        </a:xfrm>
+      </p:grpSpPr>
+      <p:sp>
+        <p:nvSpPr>
+          <p:cNvPr id="5" name="內容版面配置區 4"/>
+          <p:cNvSpPr>
+            <a:spLocks noGrp="1"/>
+          </p:cNvSpPr>
+          <p:nvPr>
+            <p:ph idx="1"/>
+          </p:nvPr>
+        </p:nvSpPr>
+        <p:spPr>
+          <a:xfrm>
+            <a:off x="0" y="1563638"/>
+            <a:ext cx="9144000" cy="1803647"/>
+          </a:xfrm>
+        </p:spPr>
+        <p:txBody>
+          <a:bodyPr anchor="ctr">
+            <a:normAutofit/>
+          </a:bodyPr>
+          <a:lstStyle/>
+          <a:p>
+            <a:pPr algn="ctr">
+              <a:buNone/>
+            </a:pPr>
+            <a:r>
+              <a:rPr lang="zh-TW" altLang="en-US" sz="4800" b="1" dirty="0">
+                <a:solidFill>
+                  <a:srgbClr val="000066"/>
+                </a:solidFill>
+                <a:latin typeface="微軟正黑體" pitchFamily="34" charset="-120"/>
+                <a:ea typeface="微軟正黑體" pitchFamily="34" charset="-120"/>
+              </a:rPr>
+              <a:t>眼未看見  耳未聽見</a:t>
+            </a:r>
+            <a:endParaRPr lang="en-US" altLang="zh-TW" sz="4800" b="1" dirty="0">
+              <a:solidFill>
+                <a:srgbClr val="000066"/>
+              </a:solidFill>
+              <a:latin typeface="微軟正黑體" pitchFamily="34" charset="-120"/>
+              <a:ea typeface="微軟正黑體" pitchFamily="34" charset="-120"/>
+            </a:endParaRPr>
+          </a:p>
+          <a:p>
+            <a:pPr algn="ctr">
+              <a:buNone/>
+            </a:pPr>
+            <a:r>
+              <a:rPr lang="zh-TW" altLang="en-US" sz="4800" b="1" dirty="0">
+                <a:solidFill>
+                  <a:srgbClr val="000066"/>
+                </a:solidFill>
+                <a:latin typeface="微軟正黑體" pitchFamily="34" charset="-120"/>
+                <a:ea typeface="微軟正黑體" pitchFamily="34" charset="-120"/>
+              </a:rPr>
+              <a:t>渴慕更多看</a:t>
+            </a:r>
+            <a:r>
+              <a:rPr lang="zh-TW" altLang="en-US" sz="4800" b="1" dirty="0" smtClean="0">
+                <a:solidFill>
+                  <a:srgbClr val="000066"/>
+                </a:solidFill>
+                <a:latin typeface="微軟正黑體" pitchFamily="34" charset="-120"/>
+                <a:ea typeface="微軟正黑體" pitchFamily="34" charset="-120"/>
+              </a:rPr>
+              <a:t>見</a:t>
+            </a:r>
+            <a:r>
+              <a:rPr lang="zh-CN" altLang="en-US" sz="4800" b="1" dirty="0">
+                <a:solidFill>
+                  <a:srgbClr val="000066"/>
+                </a:solidFill>
+                <a:latin typeface="微軟正黑體" pitchFamily="34" charset="-120"/>
+                <a:ea typeface="微軟正黑體" pitchFamily="34" charset="-120"/>
+              </a:rPr>
+              <a:t>袮</a:t>
+            </a:r>
+            <a:r>
+              <a:rPr lang="zh-TW" altLang="en-US" sz="4800" b="1" dirty="0" smtClean="0">
+                <a:solidFill>
+                  <a:srgbClr val="000066"/>
+                </a:solidFill>
+                <a:latin typeface="微軟正黑體" pitchFamily="34" charset="-120"/>
+                <a:ea typeface="微軟正黑體" pitchFamily="34" charset="-120"/>
+              </a:rPr>
+              <a:t>的</a:t>
+            </a:r>
+            <a:r>
+              <a:rPr lang="zh-TW" altLang="en-US" sz="4800" b="1" dirty="0">
+                <a:solidFill>
+                  <a:srgbClr val="000066"/>
+                </a:solidFill>
+                <a:latin typeface="微軟正黑體" pitchFamily="34" charset="-120"/>
+                <a:ea typeface="微軟正黑體" pitchFamily="34" charset="-120"/>
+              </a:rPr>
+              <a:t>榮面</a:t>
+            </a:r>
+            <a:endParaRPr lang="zh-TW" altLang="en-US" sz="4800" b="1" dirty="0">
+              <a:solidFill>
+                <a:srgbClr val="000066"/>
+              </a:solidFill>
+              <a:latin typeface="微軟正黑體" pitchFamily="34" charset="-120"/>
+              <a:ea typeface="微軟正黑體" pitchFamily="34" charset="-120"/>
+            </a:endParaRPr>
+          </a:p>
+        </p:txBody>
+      </p:sp>
+      <p:sp>
+        <p:nvSpPr>
+          <p:cNvPr id="3" name="TextBox 2"/>
+          <p:cNvSpPr txBox="1"/>
+          <p:nvPr/>
+        </p:nvSpPr>
+        <p:spPr>
+          <a:xfrm>
+            <a:off x="0" y="3867894"/>
+            <a:ext cx="9144000" cy="584775"/>
+          </a:xfrm>
+          <a:prstGeom prst="rect">
+            <a:avLst/>
+          </a:prstGeom>
+          <a:noFill/>
+        </p:spPr>
+        <p:txBody>
+          <a:bodyPr wrap="square" rtlCol="0">
+            <a:spAutoFit/>
+          </a:bodyPr>
+          <a:lstStyle/>
+          <a:p>
+            <a:pPr algn="ctr"/>
+            <a:r>
+              <a:rPr lang="en-US" sz="3200" b="1" dirty="0" smtClean="0">
+                <a:solidFill>
+                  <a:srgbClr val="000066"/>
+                </a:solidFill>
+                <a:latin typeface="Microsoft JhengHei" panose="020B0604030504040204" pitchFamily="34" charset="-120"/>
+                <a:ea typeface="Microsoft JhengHei" panose="020B0604030504040204" pitchFamily="34" charset="-120"/>
+              </a:rPr>
+              <a:t>( </a:t>
+            </a:r>
+            <a:r>
+              <a:rPr lang="zh-CN" altLang="en-US" sz="3200" b="1" dirty="0">
+                <a:solidFill>
+                  <a:srgbClr val="000066"/>
+                </a:solidFill>
+                <a:latin typeface="Microsoft JhengHei" panose="020B0604030504040204" pitchFamily="34" charset="-120"/>
+                <a:ea typeface="Microsoft JhengHei" panose="020B0604030504040204" pitchFamily="34" charset="-120"/>
+              </a:rPr>
+              <a:t>橋</a:t>
+            </a:r>
+            <a:r>
+              <a:rPr lang="en-US" sz="3200" b="1" dirty="0" smtClean="0">
+                <a:solidFill>
+                  <a:srgbClr val="000066"/>
+                </a:solidFill>
+                <a:latin typeface="Microsoft JhengHei" panose="020B0604030504040204" pitchFamily="34" charset="-120"/>
+                <a:ea typeface="Microsoft JhengHei" panose="020B0604030504040204" pitchFamily="34" charset="-120"/>
+              </a:rPr>
+              <a:t> </a:t>
+            </a:r>
+            <a:r>
+              <a:rPr lang="en-US" sz="3200" b="1" dirty="0" smtClean="0">
+                <a:solidFill>
+                  <a:srgbClr val="000066"/>
+                </a:solidFill>
+                <a:latin typeface="Microsoft JhengHei" panose="020B0604030504040204" pitchFamily="34" charset="-120"/>
+                <a:ea typeface="Microsoft JhengHei" panose="020B0604030504040204" pitchFamily="34" charset="-120"/>
+              </a:rPr>
+              <a:t>)</a:t>
+            </a:r>
+            <a:endParaRPr lang="vi-VN" sz="3200" b="1" dirty="0">
+              <a:solidFill>
+                <a:srgbClr val="000066"/>
+              </a:solidFill>
+              <a:ea typeface="Microsoft JhengHei" panose="020B0604030504040204" pitchFamily="34" charset="-120"/>
+            </a:endParaRPr>
+          </a:p>
+        </p:txBody>
+      </p:sp>
+    </p:spTree>
+    <p:extLst>
+      <p:ext uri="{BB962C8B-B14F-4D97-AF65-F5344CB8AC3E}">
+        <p14:creationId xmlns:p14="http://schemas.microsoft.com/office/powerpoint/2010/main" val="1061798304"/>
+      </p:ext>
+    </p:extLst>
   </p:cSld>
   <p:clrMapOvr>
     <a:masterClrMapping/>
